--- a/working/invitroTKstats.pptx
+++ b/working/invitroTKstats.pptx
@@ -13,6 +13,7 @@
     <p:sldId id="262" r:id="rId7"/>
     <p:sldId id="263" r:id="rId8"/>
     <p:sldId id="264" r:id="rId9"/>
+    <p:sldId id="265" r:id="rId10"/>
   </p:sldIdLst>
   <p:sldSz cx="12192000" cy="6858000"/>
   <p:notesSz cx="6858000" cy="9144000"/>
@@ -111,6 +112,11 @@
       </a:defRPr>
     </a:lvl9pPr>
   </p:defaultTextStyle>
+  <p:extLst>
+    <p:ext uri="{EFAFB233-063F-42B5-8137-9DF3F51BA10A}">
+      <p15:sldGuideLst xmlns:p15="http://schemas.microsoft.com/office/powerpoint/2012/main"/>
+    </p:ext>
+  </p:extLst>
 </p:presentation>
 </file>
 
@@ -9467,7 +9473,7 @@
             <a:graphicData uri="http://schemas.openxmlformats.org/presentationml/2006/ole">
               <mc:AlternateContent xmlns:mc="http://schemas.openxmlformats.org/markup-compatibility/2006">
                 <mc:Choice xmlns:v="urn:schemas-microsoft-com:vml" Requires="v">
-                  <p:oleObj spid="_x0000_s1030" name="Equation" r:id="rId6" imgW="825480" imgH="431640" progId="Equation.3">
+                  <p:oleObj spid="_x0000_s1033" name="Equation" r:id="rId6" imgW="825480" imgH="431640" progId="Equation.3">
                     <p:embed/>
                   </p:oleObj>
                 </mc:Choice>
@@ -16824,6 +16830,264 @@
 </p:sld>
 </file>
 
+<file path=ppt/slides/slide9.xml><?xml version="1.0" encoding="utf-8"?>
+<p:sld xmlns:a="http://schemas.openxmlformats.org/drawingml/2006/main" xmlns:r="http://schemas.openxmlformats.org/officeDocument/2006/relationships" xmlns:p="http://schemas.openxmlformats.org/presentationml/2006/main">
+  <p:cSld>
+    <p:spTree>
+      <p:nvGrpSpPr>
+        <p:cNvPr id="1" name=""/>
+        <p:cNvGrpSpPr/>
+        <p:nvPr/>
+      </p:nvGrpSpPr>
+      <p:grpSpPr>
+        <a:xfrm>
+          <a:off x="0" y="0"/>
+          <a:ext cx="0" cy="0"/>
+          <a:chOff x="0" y="0"/>
+          <a:chExt cx="0" cy="0"/>
+        </a:xfrm>
+      </p:grpSpPr>
+      <p:sp>
+        <p:nvSpPr>
+          <p:cNvPr id="2" name="Title 1">
+            <a:extLst>
+              <a:ext uri="{FF2B5EF4-FFF2-40B4-BE49-F238E27FC236}">
+                <a16:creationId xmlns:a16="http://schemas.microsoft.com/office/drawing/2014/main" id="{EECB8BF6-907D-438C-B95E-C32C4DE6BEAC}"/>
+              </a:ext>
+            </a:extLst>
+          </p:cNvPr>
+          <p:cNvSpPr txBox="1">
+            <a:spLocks/>
+          </p:cNvSpPr>
+          <p:nvPr/>
+        </p:nvSpPr>
+        <p:spPr>
+          <a:xfrm>
+            <a:off x="838200" y="365125"/>
+            <a:ext cx="10858500" cy="1325563"/>
+          </a:xfrm>
+          <a:prstGeom prst="rect">
+            <a:avLst/>
+          </a:prstGeom>
+        </p:spPr>
+        <p:txBody>
+          <a:bodyPr/>
+          <a:lstStyle>
+            <a:lvl1pPr algn="l" defTabSz="914400" rtl="0" eaLnBrk="1" latinLnBrk="0" hangingPunct="1">
+              <a:lnSpc>
+                <a:spcPct val="90000"/>
+              </a:lnSpc>
+              <a:spcBef>
+                <a:spcPct val="0"/>
+              </a:spcBef>
+              <a:buNone/>
+              <a:defRPr sz="4400" kern="1200">
+                <a:solidFill>
+                  <a:schemeClr val="tx1"/>
+                </a:solidFill>
+                <a:latin typeface="+mj-lt"/>
+                <a:ea typeface="+mj-ea"/>
+                <a:cs typeface="+mj-cs"/>
+              </a:defRPr>
+            </a:lvl1pPr>
+          </a:lstStyle>
+          <a:p>
+            <a:r>
+              <a:rPr lang="en-US" dirty="0"/>
+              <a:t>Bayesian Framework</a:t>
+            </a:r>
+          </a:p>
+        </p:txBody>
+      </p:sp>
+      <p:sp>
+        <p:nvSpPr>
+          <p:cNvPr id="3" name="TextBox 2">
+            <a:extLst>
+              <a:ext uri="{FF2B5EF4-FFF2-40B4-BE49-F238E27FC236}">
+                <a16:creationId xmlns:a16="http://schemas.microsoft.com/office/drawing/2014/main" id="{84DA0B7E-EAB2-4BFF-A0FE-65F8AB2DAAEC}"/>
+              </a:ext>
+            </a:extLst>
+          </p:cNvPr>
+          <p:cNvSpPr txBox="1"/>
+          <p:nvPr/>
+        </p:nvSpPr>
+        <p:spPr>
+          <a:xfrm>
+            <a:off x="272180" y="1027906"/>
+            <a:ext cx="11647639" cy="5632311"/>
+          </a:xfrm>
+          <a:prstGeom prst="rect">
+            <a:avLst/>
+          </a:prstGeom>
+          <a:noFill/>
+        </p:spPr>
+        <p:txBody>
+          <a:bodyPr wrap="square" rtlCol="0">
+            <a:spAutoFit/>
+          </a:bodyPr>
+          <a:lstStyle/>
+          <a:p>
+            <a:pPr marL="285750" indent="-285750">
+              <a:buFont typeface="Arial" panose="020B0604020202020204" pitchFamily="34" charset="0"/>
+              <a:buChar char="•"/>
+            </a:pPr>
+            <a:r>
+              <a:rPr lang="en-US" dirty="0"/>
+              <a:t>Two Models:</a:t>
+            </a:r>
+          </a:p>
+          <a:p>
+            <a:pPr marL="285750" indent="-285750">
+              <a:buFont typeface="Arial" panose="020B0604020202020204" pitchFamily="34" charset="0"/>
+              <a:buChar char="•"/>
+            </a:pPr>
+            <a:endParaRPr lang="en-US" dirty="0"/>
+          </a:p>
+          <a:p>
+            <a:pPr marL="742950" lvl="1" indent="-285750">
+              <a:buFont typeface="Arial" panose="020B0604020202020204" pitchFamily="34" charset="0"/>
+              <a:buChar char="•"/>
+            </a:pPr>
+            <a:r>
+              <a:rPr lang="en-US" dirty="0"/>
+              <a:t>First model is for analytical chemistry – uses information on blanks, any calibration curve, and variability of observations to estimate the relationship between chemical concentration and mass spectrometry peak area</a:t>
+            </a:r>
+          </a:p>
+          <a:p>
+            <a:pPr marL="285750" indent="-285750">
+              <a:buFont typeface="Arial" panose="020B0604020202020204" pitchFamily="34" charset="0"/>
+              <a:buChar char="•"/>
+            </a:pPr>
+            <a:endParaRPr lang="en-US" dirty="0"/>
+          </a:p>
+          <a:p>
+            <a:pPr marL="742950" lvl="1" indent="-285750">
+              <a:buFont typeface="Arial" panose="020B0604020202020204" pitchFamily="34" charset="0"/>
+              <a:buChar char="•"/>
+            </a:pPr>
+            <a:r>
+              <a:rPr lang="en-US" dirty="0"/>
+              <a:t>Second model is for the in vitro toxicokinetic measurement process</a:t>
+            </a:r>
+          </a:p>
+          <a:p>
+            <a:pPr marL="285750" indent="-285750">
+              <a:buFont typeface="Arial" panose="020B0604020202020204" pitchFamily="34" charset="0"/>
+              <a:buChar char="•"/>
+            </a:pPr>
+            <a:endParaRPr lang="en-US" dirty="0"/>
+          </a:p>
+          <a:p>
+            <a:pPr marL="285750" indent="-285750">
+              <a:buFont typeface="Arial" panose="020B0604020202020204" pitchFamily="34" charset="0"/>
+              <a:buChar char="•"/>
+            </a:pPr>
+            <a:r>
+              <a:rPr lang="en-US" dirty="0"/>
+              <a:t>All observations used contribute to an estimate of a distribution of plausible parameter values for both models. </a:t>
+            </a:r>
+          </a:p>
+          <a:p>
+            <a:pPr marL="285750" indent="-285750">
+              <a:buFont typeface="Arial" panose="020B0604020202020204" pitchFamily="34" charset="0"/>
+              <a:buChar char="•"/>
+            </a:pPr>
+            <a:endParaRPr lang="en-US" dirty="0"/>
+          </a:p>
+          <a:p>
+            <a:pPr marL="285750" indent="-285750">
+              <a:buFont typeface="Arial" panose="020B0604020202020204" pitchFamily="34" charset="0"/>
+              <a:buChar char="•"/>
+            </a:pPr>
+            <a:r>
+              <a:rPr lang="en-US" dirty="0"/>
+              <a:t>The range of these distributions reflect the estimated uncertainty</a:t>
+            </a:r>
+          </a:p>
+          <a:p>
+            <a:pPr marL="285750" indent="-285750">
+              <a:buFont typeface="Arial" panose="020B0604020202020204" pitchFamily="34" charset="0"/>
+              <a:buChar char="•"/>
+            </a:pPr>
+            <a:endParaRPr lang="en-US" dirty="0"/>
+          </a:p>
+          <a:p>
+            <a:pPr marL="285750" indent="-285750">
+              <a:buFont typeface="Arial" panose="020B0604020202020204" pitchFamily="34" charset="0"/>
+              <a:buChar char="•"/>
+            </a:pPr>
+            <a:r>
+              <a:rPr lang="en-US" dirty="0"/>
+              <a:t>We use Markov Chain Monte Carlo (MCMC) to estimate the sets of plausible parameters – this introduces an element of randomness but we use random number generator seeds to create reproducible pseudorandom sequences</a:t>
+            </a:r>
+          </a:p>
+          <a:p>
+            <a:pPr marL="285750" indent="-285750">
+              <a:buFont typeface="Arial" panose="020B0604020202020204" pitchFamily="34" charset="0"/>
+              <a:buChar char="•"/>
+            </a:pPr>
+            <a:endParaRPr lang="en-US" dirty="0"/>
+          </a:p>
+          <a:p>
+            <a:pPr marL="285750" indent="-285750">
+              <a:buFont typeface="Arial" panose="020B0604020202020204" pitchFamily="34" charset="0"/>
+              <a:buChar char="•"/>
+            </a:pPr>
+            <a:r>
+              <a:rPr lang="en-US" dirty="0"/>
+              <a:t>The Bayesian estimates can take several minutes to perform and are prone to crashing because of unfortunate parameter combinations – for this reason the functions for Bayesian analysis can be restarted at the chemical where they crashed</a:t>
+            </a:r>
+          </a:p>
+          <a:p>
+            <a:pPr marL="742950" lvl="1" indent="-285750">
+              <a:buFont typeface="Arial" panose="020B0604020202020204" pitchFamily="34" charset="0"/>
+              <a:buChar char="•"/>
+            </a:pPr>
+            <a:r>
+              <a:rPr lang="en-US" dirty="0"/>
+              <a:t>Delete the </a:t>
+            </a:r>
+            <a:r>
+              <a:rPr lang="en-US"/>
+              <a:t>Level4 file if </a:t>
+            </a:r>
+            <a:r>
+              <a:rPr lang="en-US" dirty="0"/>
+              <a:t>this behavior is not desired</a:t>
+            </a:r>
+          </a:p>
+          <a:p>
+            <a:pPr marL="285750" indent="-285750">
+              <a:buFont typeface="Arial" panose="020B0604020202020204" pitchFamily="34" charset="0"/>
+              <a:buChar char="•"/>
+            </a:pPr>
+            <a:endParaRPr lang="en-US" dirty="0"/>
+          </a:p>
+          <a:p>
+            <a:pPr marL="285750" indent="-285750">
+              <a:buFont typeface="Arial" panose="020B0604020202020204" pitchFamily="34" charset="0"/>
+              <a:buChar char="•"/>
+            </a:pPr>
+            <a:r>
+              <a:rPr lang="en-US" dirty="0"/>
+              <a:t>The MCMC process uses multiple “chains” which can be run in parallel if multiple computer cores are available</a:t>
+            </a:r>
+          </a:p>
+        </p:txBody>
+      </p:sp>
+    </p:spTree>
+    <p:extLst>
+      <p:ext uri="{BB962C8B-B14F-4D97-AF65-F5344CB8AC3E}">
+        <p14:creationId xmlns:p14="http://schemas.microsoft.com/office/powerpoint/2010/main" val="221233021"/>
+      </p:ext>
+    </p:extLst>
+  </p:cSld>
+  <p:clrMapOvr>
+    <a:masterClrMapping/>
+  </p:clrMapOvr>
+</p:sld>
+</file>
+
 <file path=ppt/theme/theme1.xml><?xml version="1.0" encoding="utf-8"?>
 <a:theme xmlns:a="http://schemas.openxmlformats.org/drawingml/2006/main" name="Office Theme">
   <a:themeElements>

--- a/working/invitroTKstats.pptx
+++ b/working/invitroTKstats.pptx
@@ -267,7 +267,7 @@
           <a:p>
             <a:fld id="{A5677F55-4C43-4C94-A3DD-B92577F47C79}" type="datetimeFigureOut">
               <a:rPr lang="en-US" smtClean="0"/>
-              <a:t>7/21/2021</a:t>
+              <a:t>7/22/2021</a:t>
             </a:fld>
             <a:endParaRPr lang="en-US"/>
           </a:p>
@@ -465,7 +465,7 @@
           <a:p>
             <a:fld id="{A5677F55-4C43-4C94-A3DD-B92577F47C79}" type="datetimeFigureOut">
               <a:rPr lang="en-US" smtClean="0"/>
-              <a:t>7/21/2021</a:t>
+              <a:t>7/22/2021</a:t>
             </a:fld>
             <a:endParaRPr lang="en-US"/>
           </a:p>
@@ -673,7 +673,7 @@
           <a:p>
             <a:fld id="{A5677F55-4C43-4C94-A3DD-B92577F47C79}" type="datetimeFigureOut">
               <a:rPr lang="en-US" smtClean="0"/>
-              <a:t>7/21/2021</a:t>
+              <a:t>7/22/2021</a:t>
             </a:fld>
             <a:endParaRPr lang="en-US"/>
           </a:p>
@@ -871,7 +871,7 @@
           <a:p>
             <a:fld id="{A5677F55-4C43-4C94-A3DD-B92577F47C79}" type="datetimeFigureOut">
               <a:rPr lang="en-US" smtClean="0"/>
-              <a:t>7/21/2021</a:t>
+              <a:t>7/22/2021</a:t>
             </a:fld>
             <a:endParaRPr lang="en-US"/>
           </a:p>
@@ -1146,7 +1146,7 @@
           <a:p>
             <a:fld id="{A5677F55-4C43-4C94-A3DD-B92577F47C79}" type="datetimeFigureOut">
               <a:rPr lang="en-US" smtClean="0"/>
-              <a:t>7/21/2021</a:t>
+              <a:t>7/22/2021</a:t>
             </a:fld>
             <a:endParaRPr lang="en-US"/>
           </a:p>
@@ -1411,7 +1411,7 @@
           <a:p>
             <a:fld id="{A5677F55-4C43-4C94-A3DD-B92577F47C79}" type="datetimeFigureOut">
               <a:rPr lang="en-US" smtClean="0"/>
-              <a:t>7/21/2021</a:t>
+              <a:t>7/22/2021</a:t>
             </a:fld>
             <a:endParaRPr lang="en-US"/>
           </a:p>
@@ -1823,7 +1823,7 @@
           <a:p>
             <a:fld id="{A5677F55-4C43-4C94-A3DD-B92577F47C79}" type="datetimeFigureOut">
               <a:rPr lang="en-US" smtClean="0"/>
-              <a:t>7/21/2021</a:t>
+              <a:t>7/22/2021</a:t>
             </a:fld>
             <a:endParaRPr lang="en-US"/>
           </a:p>
@@ -1964,7 +1964,7 @@
           <a:p>
             <a:fld id="{A5677F55-4C43-4C94-A3DD-B92577F47C79}" type="datetimeFigureOut">
               <a:rPr lang="en-US" smtClean="0"/>
-              <a:t>7/21/2021</a:t>
+              <a:t>7/22/2021</a:t>
             </a:fld>
             <a:endParaRPr lang="en-US"/>
           </a:p>
@@ -2077,7 +2077,7 @@
           <a:p>
             <a:fld id="{A5677F55-4C43-4C94-A3DD-B92577F47C79}" type="datetimeFigureOut">
               <a:rPr lang="en-US" smtClean="0"/>
-              <a:t>7/21/2021</a:t>
+              <a:t>7/22/2021</a:t>
             </a:fld>
             <a:endParaRPr lang="en-US"/>
           </a:p>
@@ -2388,7 +2388,7 @@
           <a:p>
             <a:fld id="{A5677F55-4C43-4C94-A3DD-B92577F47C79}" type="datetimeFigureOut">
               <a:rPr lang="en-US" smtClean="0"/>
-              <a:t>7/21/2021</a:t>
+              <a:t>7/22/2021</a:t>
             </a:fld>
             <a:endParaRPr lang="en-US"/>
           </a:p>
@@ -2676,7 +2676,7 @@
           <a:p>
             <a:fld id="{A5677F55-4C43-4C94-A3DD-B92577F47C79}" type="datetimeFigureOut">
               <a:rPr lang="en-US" smtClean="0"/>
-              <a:t>7/21/2021</a:t>
+              <a:t>7/22/2021</a:t>
             </a:fld>
             <a:endParaRPr lang="en-US"/>
           </a:p>
@@ -2917,7 +2917,7 @@
           <a:p>
             <a:fld id="{A5677F55-4C43-4C94-A3DD-B92577F47C79}" type="datetimeFigureOut">
               <a:rPr lang="en-US" smtClean="0"/>
-              <a:t>7/21/2021</a:t>
+              <a:t>7/22/2021</a:t>
             </a:fld>
             <a:endParaRPr lang="en-US"/>
           </a:p>
@@ -9473,7 +9473,7 @@
             <a:graphicData uri="http://schemas.openxmlformats.org/presentationml/2006/ole">
               <mc:AlternateContent xmlns:mc="http://schemas.openxmlformats.org/markup-compatibility/2006">
                 <mc:Choice xmlns:v="urn:schemas-microsoft-com:vml" Requires="v">
-                  <p:oleObj spid="_x0000_s1033" name="Equation" r:id="rId6" imgW="825480" imgH="431640" progId="Equation.3">
+                  <p:oleObj spid="_x0000_s1035" name="Equation" r:id="rId6" imgW="825480" imgH="431640" progId="Equation.3">
                     <p:embed/>
                   </p:oleObj>
                 </mc:Choice>
@@ -16937,6 +16937,54 @@
             </a:r>
           </a:p>
           <a:p>
+            <a:pPr marL="742950" lvl="1" indent="-285750">
+              <a:buFont typeface="Arial" panose="020B0604020202020204" pitchFamily="34" charset="0"/>
+              <a:buChar char="•"/>
+            </a:pPr>
+            <a:r>
+              <a:rPr lang="en-US" dirty="0"/>
+              <a:t>First model is for analytical chemistry – uses information on blanks, any calibration curve, and variability of observations to estimate the relationship between chemical concentration and mass spectrometry peak area</a:t>
+            </a:r>
+          </a:p>
+          <a:p>
+            <a:pPr marL="1200150" lvl="2" indent="-285750">
+              <a:buFont typeface="Arial" panose="020B0604020202020204" pitchFamily="34" charset="0"/>
+              <a:buChar char="•"/>
+            </a:pPr>
+            <a:r>
+              <a:rPr lang="en-US" dirty="0"/>
+              <a:t>Heteroskedastic – both a constant error term and an error term that is proportional to signal</a:t>
+            </a:r>
+          </a:p>
+          <a:p>
+            <a:pPr marL="1200150" lvl="2" indent="-285750">
+              <a:buFont typeface="Arial" panose="020B0604020202020204" pitchFamily="34" charset="0"/>
+              <a:buChar char="•"/>
+            </a:pPr>
+            <a:r>
+              <a:rPr lang="en-US" dirty="0"/>
+              <a:t>Separate sets of calibration parameters estimated for measurements occuring on different days</a:t>
+            </a:r>
+          </a:p>
+          <a:p>
+            <a:pPr marL="742950" lvl="1" indent="-285750">
+              <a:buFont typeface="Arial" panose="020B0604020202020204" pitchFamily="34" charset="0"/>
+              <a:buChar char="•"/>
+            </a:pPr>
+            <a:r>
+              <a:rPr lang="en-US" dirty="0"/>
+              <a:t>Second model is for the in vitro </a:t>
+            </a:r>
+            <a:r>
+              <a:rPr lang="en-US"/>
+              <a:t>toxicokinetic parameter </a:t>
+            </a:r>
+            <a:r>
+              <a:rPr lang="en-US" dirty="0"/>
+              <a:t>measurement process</a:t>
+            </a:r>
+          </a:p>
+          <a:p>
             <a:pPr marL="285750" indent="-285750">
               <a:buFont typeface="Arial" panose="020B0604020202020204" pitchFamily="34" charset="0"/>
               <a:buChar char="•"/>
@@ -16944,13 +16992,13 @@
             <a:endParaRPr lang="en-US" dirty="0"/>
           </a:p>
           <a:p>
-            <a:pPr marL="742950" lvl="1" indent="-285750">
+            <a:pPr marL="285750" indent="-285750">
               <a:buFont typeface="Arial" panose="020B0604020202020204" pitchFamily="34" charset="0"/>
               <a:buChar char="•"/>
             </a:pPr>
             <a:r>
               <a:rPr lang="en-US" dirty="0"/>
-              <a:t>First model is for analytical chemistry – uses information on blanks, any calibration curve, and variability of observations to estimate the relationship between chemical concentration and mass spectrometry peak area</a:t>
+              <a:t>All observations used contribute to an estimate of a distribution of plausible parameter values for both models. </a:t>
             </a:r>
           </a:p>
           <a:p>
@@ -16961,13 +17009,13 @@
             <a:endParaRPr lang="en-US" dirty="0"/>
           </a:p>
           <a:p>
-            <a:pPr marL="742950" lvl="1" indent="-285750">
+            <a:pPr marL="285750" indent="-285750">
               <a:buFont typeface="Arial" panose="020B0604020202020204" pitchFamily="34" charset="0"/>
               <a:buChar char="•"/>
             </a:pPr>
             <a:r>
               <a:rPr lang="en-US" dirty="0"/>
-              <a:t>Second model is for the in vitro toxicokinetic measurement process</a:t>
+              <a:t>The range of these distributions reflect the estimated uncertainty</a:t>
             </a:r>
           </a:p>
           <a:p>
@@ -16984,7 +17032,7 @@
             </a:pPr>
             <a:r>
               <a:rPr lang="en-US" dirty="0"/>
-              <a:t>All observations used contribute to an estimate of a distribution of plausible parameter values for both models. </a:t>
+              <a:t>We use Markov Chain Monte Carlo (MCMC) to estimate the sets of plausible parameters – this introduces an element of randomness but we use random number generator seeds to create reproducible pseudorandom sequences</a:t>
             </a:r>
           </a:p>
           <a:p>
@@ -17001,40 +17049,6 @@
             </a:pPr>
             <a:r>
               <a:rPr lang="en-US" dirty="0"/>
-              <a:t>The range of these distributions reflect the estimated uncertainty</a:t>
-            </a:r>
-          </a:p>
-          <a:p>
-            <a:pPr marL="285750" indent="-285750">
-              <a:buFont typeface="Arial" panose="020B0604020202020204" pitchFamily="34" charset="0"/>
-              <a:buChar char="•"/>
-            </a:pPr>
-            <a:endParaRPr lang="en-US" dirty="0"/>
-          </a:p>
-          <a:p>
-            <a:pPr marL="285750" indent="-285750">
-              <a:buFont typeface="Arial" panose="020B0604020202020204" pitchFamily="34" charset="0"/>
-              <a:buChar char="•"/>
-            </a:pPr>
-            <a:r>
-              <a:rPr lang="en-US" dirty="0"/>
-              <a:t>We use Markov Chain Monte Carlo (MCMC) to estimate the sets of plausible parameters – this introduces an element of randomness but we use random number generator seeds to create reproducible pseudorandom sequences</a:t>
-            </a:r>
-          </a:p>
-          <a:p>
-            <a:pPr marL="285750" indent="-285750">
-              <a:buFont typeface="Arial" panose="020B0604020202020204" pitchFamily="34" charset="0"/>
-              <a:buChar char="•"/>
-            </a:pPr>
-            <a:endParaRPr lang="en-US" dirty="0"/>
-          </a:p>
-          <a:p>
-            <a:pPr marL="285750" indent="-285750">
-              <a:buFont typeface="Arial" panose="020B0604020202020204" pitchFamily="34" charset="0"/>
-              <a:buChar char="•"/>
-            </a:pPr>
-            <a:r>
-              <a:rPr lang="en-US" dirty="0"/>
               <a:t>The Bayesian estimates can take several minutes to perform and are prone to crashing because of unfortunate parameter combinations – for this reason the functions for Bayesian analysis can be restarted at the chemical where they crashed</a:t>
             </a:r>
           </a:p>
@@ -17045,15 +17059,7 @@
             </a:pPr>
             <a:r>
               <a:rPr lang="en-US" dirty="0"/>
-              <a:t>Delete the </a:t>
-            </a:r>
-            <a:r>
-              <a:rPr lang="en-US"/>
-              <a:t>Level4 file if </a:t>
-            </a:r>
-            <a:r>
-              <a:rPr lang="en-US" dirty="0"/>
-              <a:t>this behavior is not desired</a:t>
+              <a:t>Delete the Level4 file if this behavior is not desired</a:t>
             </a:r>
           </a:p>
           <a:p>

--- a/working/invitroTKstats.pptx
+++ b/working/invitroTKstats.pptx
@@ -10,8 +10,8 @@
     <p:sldId id="259" r:id="rId4"/>
     <p:sldId id="260" r:id="rId5"/>
     <p:sldId id="261" r:id="rId6"/>
-    <p:sldId id="262" r:id="rId7"/>
-    <p:sldId id="263" r:id="rId8"/>
+    <p:sldId id="263" r:id="rId7"/>
+    <p:sldId id="262" r:id="rId8"/>
     <p:sldId id="264" r:id="rId9"/>
     <p:sldId id="265" r:id="rId10"/>
   </p:sldIdLst>
@@ -267,7 +267,7 @@
           <a:p>
             <a:fld id="{A5677F55-4C43-4C94-A3DD-B92577F47C79}" type="datetimeFigureOut">
               <a:rPr lang="en-US" smtClean="0"/>
-              <a:t>7/22/2021</a:t>
+              <a:t>10/2/2021</a:t>
             </a:fld>
             <a:endParaRPr lang="en-US"/>
           </a:p>
@@ -465,7 +465,7 @@
           <a:p>
             <a:fld id="{A5677F55-4C43-4C94-A3DD-B92577F47C79}" type="datetimeFigureOut">
               <a:rPr lang="en-US" smtClean="0"/>
-              <a:t>7/22/2021</a:t>
+              <a:t>10/2/2021</a:t>
             </a:fld>
             <a:endParaRPr lang="en-US"/>
           </a:p>
@@ -673,7 +673,7 @@
           <a:p>
             <a:fld id="{A5677F55-4C43-4C94-A3DD-B92577F47C79}" type="datetimeFigureOut">
               <a:rPr lang="en-US" smtClean="0"/>
-              <a:t>7/22/2021</a:t>
+              <a:t>10/2/2021</a:t>
             </a:fld>
             <a:endParaRPr lang="en-US"/>
           </a:p>
@@ -871,7 +871,7 @@
           <a:p>
             <a:fld id="{A5677F55-4C43-4C94-A3DD-B92577F47C79}" type="datetimeFigureOut">
               <a:rPr lang="en-US" smtClean="0"/>
-              <a:t>7/22/2021</a:t>
+              <a:t>10/2/2021</a:t>
             </a:fld>
             <a:endParaRPr lang="en-US"/>
           </a:p>
@@ -1146,7 +1146,7 @@
           <a:p>
             <a:fld id="{A5677F55-4C43-4C94-A3DD-B92577F47C79}" type="datetimeFigureOut">
               <a:rPr lang="en-US" smtClean="0"/>
-              <a:t>7/22/2021</a:t>
+              <a:t>10/2/2021</a:t>
             </a:fld>
             <a:endParaRPr lang="en-US"/>
           </a:p>
@@ -1411,7 +1411,7 @@
           <a:p>
             <a:fld id="{A5677F55-4C43-4C94-A3DD-B92577F47C79}" type="datetimeFigureOut">
               <a:rPr lang="en-US" smtClean="0"/>
-              <a:t>7/22/2021</a:t>
+              <a:t>10/2/2021</a:t>
             </a:fld>
             <a:endParaRPr lang="en-US"/>
           </a:p>
@@ -1823,7 +1823,7 @@
           <a:p>
             <a:fld id="{A5677F55-4C43-4C94-A3DD-B92577F47C79}" type="datetimeFigureOut">
               <a:rPr lang="en-US" smtClean="0"/>
-              <a:t>7/22/2021</a:t>
+              <a:t>10/2/2021</a:t>
             </a:fld>
             <a:endParaRPr lang="en-US"/>
           </a:p>
@@ -1964,7 +1964,7 @@
           <a:p>
             <a:fld id="{A5677F55-4C43-4C94-A3DD-B92577F47C79}" type="datetimeFigureOut">
               <a:rPr lang="en-US" smtClean="0"/>
-              <a:t>7/22/2021</a:t>
+              <a:t>10/2/2021</a:t>
             </a:fld>
             <a:endParaRPr lang="en-US"/>
           </a:p>
@@ -2077,7 +2077,7 @@
           <a:p>
             <a:fld id="{A5677F55-4C43-4C94-A3DD-B92577F47C79}" type="datetimeFigureOut">
               <a:rPr lang="en-US" smtClean="0"/>
-              <a:t>7/22/2021</a:t>
+              <a:t>10/2/2021</a:t>
             </a:fld>
             <a:endParaRPr lang="en-US"/>
           </a:p>
@@ -2388,7 +2388,7 @@
           <a:p>
             <a:fld id="{A5677F55-4C43-4C94-A3DD-B92577F47C79}" type="datetimeFigureOut">
               <a:rPr lang="en-US" smtClean="0"/>
-              <a:t>7/22/2021</a:t>
+              <a:t>10/2/2021</a:t>
             </a:fld>
             <a:endParaRPr lang="en-US"/>
           </a:p>
@@ -2676,7 +2676,7 @@
           <a:p>
             <a:fld id="{A5677F55-4C43-4C94-A3DD-B92577F47C79}" type="datetimeFigureOut">
               <a:rPr lang="en-US" smtClean="0"/>
-              <a:t>7/22/2021</a:t>
+              <a:t>10/2/2021</a:t>
             </a:fld>
             <a:endParaRPr lang="en-US"/>
           </a:p>
@@ -2917,7 +2917,7 @@
           <a:p>
             <a:fld id="{A5677F55-4C43-4C94-A3DD-B92577F47C79}" type="datetimeFigureOut">
               <a:rPr lang="en-US" smtClean="0"/>
-              <a:t>7/22/2021</a:t>
+              <a:t>10/2/2021</a:t>
             </a:fld>
             <a:endParaRPr lang="en-US"/>
           </a:p>
@@ -5085,7 +5085,7 @@
             <p:nvPr/>
           </p:nvPicPr>
           <p:blipFill>
-            <a:blip r:embed="rId3" cstate="print"/>
+            <a:blip r:embed="rId2" cstate="print"/>
             <a:srcRect l="51666" r="32906" b="35107"/>
             <a:stretch>
               <a:fillRect/>
@@ -5420,7 +5420,7 @@
             <p:nvPr/>
           </p:nvPicPr>
           <p:blipFill>
-            <a:blip r:embed="rId4" cstate="print"/>
+            <a:blip r:embed="rId3" cstate="print"/>
             <a:srcRect/>
             <a:stretch>
               <a:fillRect/>
@@ -5552,7 +5552,7 @@
             <p:nvPr/>
           </p:nvPicPr>
           <p:blipFill>
-            <a:blip r:embed="rId5" cstate="print"/>
+            <a:blip r:embed="rId4" cstate="print"/>
             <a:srcRect/>
             <a:stretch>
               <a:fillRect/>
@@ -9473,12 +9473,12 @@
             <a:graphicData uri="http://schemas.openxmlformats.org/presentationml/2006/ole">
               <mc:AlternateContent xmlns:mc="http://schemas.openxmlformats.org/markup-compatibility/2006">
                 <mc:Choice xmlns:v="urn:schemas-microsoft-com:vml" Requires="v">
-                  <p:oleObj spid="_x0000_s1035" name="Equation" r:id="rId6" imgW="825480" imgH="431640" progId="Equation.3">
+                  <p:oleObj name="Equation" r:id="rId5" imgW="825480" imgH="431640" progId="Equation.3">
                     <p:embed/>
                   </p:oleObj>
                 </mc:Choice>
                 <mc:Fallback>
-                  <p:oleObj name="Equation" r:id="rId6" imgW="825480" imgH="431640" progId="Equation.3">
+                  <p:oleObj name="Equation" r:id="rId5" imgW="825480" imgH="431640" progId="Equation.3">
                     <p:embed/>
                     <p:pic>
                       <p:nvPicPr>
@@ -9495,7 +9495,7 @@
                         <p:nvPr/>
                       </p:nvPicPr>
                       <p:blipFill>
-                        <a:blip r:embed="rId7"/>
+                        <a:blip r:embed="rId6"/>
                         <a:srcRect/>
                         <a:stretch>
                           <a:fillRect/>
@@ -9612,7 +9612,7 @@
             <p:nvPr/>
           </p:nvPicPr>
           <p:blipFill>
-            <a:blip r:embed="rId8" cstate="print"/>
+            <a:blip r:embed="rId7" cstate="print"/>
             <a:srcRect/>
             <a:stretch>
               <a:fillRect/>
@@ -15871,7 +15871,7 @@
         </p:nvSpPr>
         <p:spPr>
           <a:xfrm>
-            <a:off x="838200" y="365125"/>
+            <a:off x="666750" y="185060"/>
             <a:ext cx="10858500" cy="1325563"/>
           </a:xfrm>
           <a:prstGeom prst="rect">
@@ -15902,27 +15902,7 @@
           <a:p>
             <a:r>
               <a:rPr lang="en-US" dirty="0"/>
-              <a:t>Calculation of </a:t>
-            </a:r>
-            <a:r>
-              <a:rPr lang="en-US" dirty="0" err="1"/>
-              <a:t>R</a:t>
-            </a:r>
-            <a:r>
-              <a:rPr lang="en-US" baseline="-25000" dirty="0" err="1"/>
-              <a:t>blood:plasmat</a:t>
-            </a:r>
-            <a:r>
-              <a:rPr lang="en-US" dirty="0"/>
-              <a:t> From </a:t>
-            </a:r>
-            <a:r>
-              <a:rPr lang="en-US" i="1" dirty="0"/>
-              <a:t>In Vitro </a:t>
-            </a:r>
-            <a:r>
-              <a:rPr lang="en-US" dirty="0"/>
-              <a:t>Data</a:t>
+              <a:t>Calculation of Membrane Permeability from Caco-2 Data</a:t>
             </a:r>
           </a:p>
         </p:txBody>
@@ -15941,8 +15921,8 @@
         </p:nvSpPr>
         <p:spPr>
           <a:xfrm>
-            <a:off x="8849281" y="1621153"/>
-            <a:ext cx="3260167" cy="2862322"/>
+            <a:off x="9153655" y="1036249"/>
+            <a:ext cx="3260167" cy="1477328"/>
           </a:xfrm>
           <a:prstGeom prst="rect">
             <a:avLst/>
@@ -15961,7 +15941,7 @@
                   <a:srgbClr val="FF0000"/>
                 </a:solidFill>
               </a:rPr>
-              <a:t>Observation types: aqueous fraction (</a:t>
+              <a:t>Observation types: donor concentration (time 0) (</a:t>
             </a:r>
             <a:r>
               <a:rPr lang="en-US" b="1" dirty="0">
@@ -15969,7 +15949,7 @@
                   <a:srgbClr val="FF0000"/>
                 </a:solidFill>
               </a:rPr>
-              <a:t>AF</a:t>
+              <a:t>D0</a:t>
             </a:r>
             <a:r>
               <a:rPr lang="en-US" dirty="0">
@@ -15977,7 +15957,7 @@
                   <a:srgbClr val="FF0000"/>
                 </a:solidFill>
               </a:rPr>
-              <a:t>), time 1 hour (</a:t>
+              <a:t>), donor (time 2 h) (</a:t>
             </a:r>
             <a:r>
               <a:rPr lang="en-US" b="1" dirty="0">
@@ -15985,7 +15965,7 @@
                   <a:srgbClr val="FF0000"/>
                 </a:solidFill>
               </a:rPr>
-              <a:t>T1</a:t>
+              <a:t>D2</a:t>
             </a:r>
             <a:r>
               <a:rPr lang="en-US" dirty="0">
@@ -15993,7 +15973,7 @@
                   <a:srgbClr val="FF0000"/>
                 </a:solidFill>
               </a:rPr>
-              <a:t>), time 5 hours (</a:t>
+              <a:t>), receiver concentration (time 2 h) (</a:t>
             </a:r>
             <a:r>
               <a:rPr lang="en-US" b="1" dirty="0">
@@ -16001,23 +15981,7 @@
                   <a:srgbClr val="FF0000"/>
                 </a:solidFill>
               </a:rPr>
-              <a:t>T5</a:t>
-            </a:r>
-            <a:r>
-              <a:rPr lang="en-US" dirty="0">
-                <a:solidFill>
-                  <a:srgbClr val="FF0000"/>
-                </a:solidFill>
-              </a:rPr>
-              <a:t>), calibration curve (</a:t>
-            </a:r>
-            <a:r>
-              <a:rPr lang="en-US" b="1" dirty="0">
-                <a:solidFill>
-                  <a:srgbClr val="FF0000"/>
-                </a:solidFill>
-              </a:rPr>
-              <a:t>CC</a:t>
+              <a:t>R2</a:t>
             </a:r>
             <a:r>
               <a:rPr lang="en-US" dirty="0">
@@ -16042,40 +16006,6 @@
                 </a:solidFill>
               </a:rPr>
               <a:t>)</a:t>
-            </a:r>
-          </a:p>
-          <a:p>
-            <a:endParaRPr lang="en-US" dirty="0">
-              <a:solidFill>
-                <a:srgbClr val="FF0000"/>
-              </a:solidFill>
-            </a:endParaRPr>
-          </a:p>
-          <a:p>
-            <a:r>
-              <a:rPr lang="en-US" dirty="0">
-                <a:solidFill>
-                  <a:srgbClr val="FF0000"/>
-                </a:solidFill>
-              </a:rPr>
-              <a:t>Currently T1 ignored, blanks treated as CC for concentration 0</a:t>
-            </a:r>
-          </a:p>
-          <a:p>
-            <a:endParaRPr lang="en-US" dirty="0">
-              <a:solidFill>
-                <a:srgbClr val="FF0000"/>
-              </a:solidFill>
-            </a:endParaRPr>
-          </a:p>
-          <a:p>
-            <a:r>
-              <a:rPr lang="en-US" dirty="0">
-                <a:solidFill>
-                  <a:srgbClr val="FF0000"/>
-                </a:solidFill>
-              </a:rPr>
-              <a:t>Point estimation function does not use CC</a:t>
             </a:r>
           </a:p>
         </p:txBody>
@@ -16094,8 +16024,8 @@
         </p:nvSpPr>
         <p:spPr>
           <a:xfrm>
-            <a:off x="6973888" y="4850419"/>
-            <a:ext cx="5105400" cy="1754326"/>
+            <a:off x="7298568" y="4970696"/>
+            <a:ext cx="4868635" cy="1754326"/>
           </a:xfrm>
           <a:prstGeom prst="rect">
             <a:avLst/>
@@ -16109,26 +16039,98 @@
           <a:lstStyle/>
           <a:p>
             <a:r>
+              <a:rPr lang="en-US" dirty="0"/>
+              <a:t>Functions</a:t>
+            </a:r>
+          </a:p>
+          <a:p>
+            <a:pPr marL="285750" indent="-285750">
+              <a:buFont typeface="Arial" panose="020B0604020202020204" pitchFamily="34" charset="0"/>
+              <a:buChar char="•"/>
+            </a:pPr>
+            <a:r>
+              <a:rPr lang="en-US" b="1" dirty="0"/>
+              <a:t>format_caco2</a:t>
+            </a:r>
+            <a:r>
+              <a:rPr lang="en-US" dirty="0"/>
+              <a:t>-- creates level 1 file</a:t>
+            </a:r>
+          </a:p>
+          <a:p>
+            <a:pPr marL="285750" indent="-285750">
+              <a:buFont typeface="Arial" panose="020B0604020202020204" pitchFamily="34" charset="0"/>
+              <a:buChar char="•"/>
+            </a:pPr>
+            <a:r>
+              <a:rPr lang="en-US" b="1" dirty="0"/>
+              <a:t>calc_caco2_point </a:t>
+            </a:r>
+            <a:r>
+              <a:rPr lang="en-US" dirty="0"/>
+              <a:t>– calculates point estimate of P</a:t>
+            </a:r>
+            <a:r>
+              <a:rPr lang="en-US" baseline="-25000" dirty="0"/>
+              <a:t>app</a:t>
+            </a:r>
+            <a:r>
+              <a:rPr lang="en-US" baseline="30000" dirty="0"/>
+              <a:t>A2B</a:t>
+            </a:r>
+            <a:r>
+              <a:rPr lang="en-US" dirty="0"/>
+              <a:t>, P</a:t>
+            </a:r>
+            <a:r>
+              <a:rPr lang="en-US" baseline="-25000" dirty="0"/>
+              <a:t>app</a:t>
+            </a:r>
+            <a:r>
+              <a:rPr lang="en-US" baseline="30000" dirty="0"/>
+              <a:t>B2A</a:t>
+            </a:r>
+            <a:r>
+              <a:rPr lang="en-US" dirty="0"/>
+              <a:t>, and Efflux Ratio from level 2 file</a:t>
+            </a:r>
+          </a:p>
+          <a:p>
+            <a:pPr marL="285750" indent="-285750">
+              <a:buFont typeface="Arial" panose="020B0604020202020204" pitchFamily="34" charset="0"/>
+              <a:buChar char="•"/>
+            </a:pPr>
+            <a:r>
+              <a:rPr lang="en-US" b="1" dirty="0">
+                <a:solidFill>
+                  <a:srgbClr val="FF0000"/>
+                </a:solidFill>
+              </a:rPr>
+              <a:t>calc_caco2</a:t>
+            </a:r>
+            <a:r>
               <a:rPr lang="en-US" dirty="0">
                 <a:solidFill>
                   <a:srgbClr val="FF0000"/>
                 </a:solidFill>
               </a:rPr>
-              <a:t>Functions</a:t>
-            </a:r>
-          </a:p>
-          <a:p>
-            <a:pPr marL="285750" indent="-285750">
-              <a:buFont typeface="Arial" panose="020B0604020202020204" pitchFamily="34" charset="0"/>
-              <a:buChar char="•"/>
-            </a:pPr>
-            <a:r>
-              <a:rPr lang="en-US" b="1" dirty="0">
+              <a:t>– calculates Bayesian estimate of P</a:t>
+            </a:r>
+            <a:r>
+              <a:rPr lang="en-US" baseline="-25000" dirty="0">
                 <a:solidFill>
                   <a:srgbClr val="FF0000"/>
                 </a:solidFill>
               </a:rPr>
-              <a:t>format_rb2p </a:t>
+              <a:t>app</a:t>
+            </a:r>
+            <a:r>
+              <a:rPr lang="en-US" baseline="30000" dirty="0">
+                <a:solidFill>
+                  <a:srgbClr val="FF0000"/>
+                </a:solidFill>
+              </a:rPr>
+              <a:t>A2B</a:t>
             </a:r>
             <a:r>
               <a:rPr lang="en-US" dirty="0">
@@ -16136,21 +16138,23 @@
                   <a:srgbClr val="FF0000"/>
                 </a:solidFill>
               </a:rPr>
-              <a:t>-- creates level 1 file</a:t>
-            </a:r>
-          </a:p>
-          <a:p>
-            <a:pPr marL="285750" indent="-285750">
-              <a:buFont typeface="Arial" panose="020B0604020202020204" pitchFamily="34" charset="0"/>
-              <a:buChar char="•"/>
-            </a:pPr>
-            <a:r>
-              <a:rPr lang="en-US" b="1" dirty="0">
+              <a:t>, P</a:t>
+            </a:r>
+            <a:r>
+              <a:rPr lang="en-US" baseline="-25000" dirty="0">
                 <a:solidFill>
                   <a:srgbClr val="FF0000"/>
                 </a:solidFill>
               </a:rPr>
-              <a:t>calc_ b2p _point </a:t>
+              <a:t>app</a:t>
+            </a:r>
+            <a:r>
+              <a:rPr lang="en-US" baseline="30000" dirty="0">
+                <a:solidFill>
+                  <a:srgbClr val="FF0000"/>
+                </a:solidFill>
+              </a:rPr>
+              <a:t>B2A</a:t>
             </a:r>
             <a:r>
               <a:rPr lang="en-US" dirty="0">
@@ -16158,121 +16162,3037 @@
                   <a:srgbClr val="FF0000"/>
                 </a:solidFill>
               </a:rPr>
-              <a:t>– calculates point estimate of </a:t>
-            </a:r>
-            <a:r>
-              <a:rPr lang="en-US" dirty="0" err="1">
+              <a:t>, and Efflux Ratio from level 2 file</a:t>
+            </a:r>
+          </a:p>
+        </p:txBody>
+      </p:sp>
+      <mc:AlternateContent xmlns:mc="http://schemas.openxmlformats.org/markup-compatibility/2006">
+        <mc:Choice xmlns:a14="http://schemas.microsoft.com/office/drawing/2010/main" Requires="a14">
+          <p:sp>
+            <p:nvSpPr>
+              <p:cNvPr id="6" name="TextBox 5">
+                <a:extLst>
+                  <a:ext uri="{FF2B5EF4-FFF2-40B4-BE49-F238E27FC236}">
+                    <a16:creationId xmlns:a16="http://schemas.microsoft.com/office/drawing/2014/main" id="{423E60A1-C525-418F-9669-9B92F562B1E4}"/>
+                  </a:ext>
+                </a:extLst>
+              </p:cNvPr>
+              <p:cNvSpPr txBox="1"/>
+              <p:nvPr/>
+            </p:nvSpPr>
+            <p:spPr>
+              <a:xfrm>
+                <a:off x="108378" y="3463941"/>
+                <a:ext cx="7740316" cy="391582"/>
+              </a:xfrm>
+              <a:prstGeom prst="rect">
+                <a:avLst/>
+              </a:prstGeom>
+              <a:noFill/>
+            </p:spPr>
+            <p:txBody>
+              <a:bodyPr wrap="square">
+                <a:spAutoFit/>
+              </a:bodyPr>
+              <a:lstStyle/>
+              <a:p>
+                <a:r>
+                  <a:rPr lang="en-US" sz="1800" b="0" i="0" u="none" strike="noStrike" baseline="0" dirty="0">
+                    <a:solidFill>
+                      <a:srgbClr val="000000"/>
+                    </a:solidFill>
+                  </a:rPr>
+                  <a:t>Apparent permeability coefficients (</a:t>
+                </a:r>
+                <a:r>
+                  <a:rPr lang="en-US" sz="1800" b="0" i="1" u="none" strike="noStrike" baseline="0" dirty="0">
+                    <a:solidFill>
+                      <a:srgbClr val="000000"/>
+                    </a:solidFill>
+                  </a:rPr>
+                  <a:t>P</a:t>
+                </a:r>
+                <a:r>
+                  <a:rPr lang="en-US" sz="800" b="0" i="1" u="none" strike="noStrike" baseline="0" dirty="0">
+                    <a:solidFill>
+                      <a:srgbClr val="000000"/>
+                    </a:solidFill>
+                  </a:rPr>
+                  <a:t>app</a:t>
+                </a:r>
+                <a:r>
+                  <a:rPr lang="en-US" sz="1800" b="0" i="0" u="none" strike="noStrike" baseline="0" dirty="0">
+                    <a:solidFill>
+                      <a:srgbClr val="000000"/>
+                    </a:solidFill>
+                  </a:rPr>
+                  <a:t>) and Efflux Ratio (</a:t>
+                </a:r>
+                <a14:m>
+                  <m:oMath xmlns:m="http://schemas.openxmlformats.org/officeDocument/2006/math">
+                    <m:sSub>
+                      <m:sSubPr>
+                        <m:ctrlPr>
+                          <a:rPr lang="en-US" i="1" smtClean="0">
+                            <a:latin typeface="Cambria Math" panose="02040503050406030204" pitchFamily="18" charset="0"/>
+                          </a:rPr>
+                        </m:ctrlPr>
+                      </m:sSubPr>
+                      <m:e>
+                        <m:r>
+                          <a:rPr lang="en-US" b="0" i="1" smtClean="0">
+                            <a:latin typeface="Cambria Math" panose="02040503050406030204" pitchFamily="18" charset="0"/>
+                          </a:rPr>
+                          <m:t>𝑅</m:t>
+                        </m:r>
+                      </m:e>
+                      <m:sub>
+                        <m:r>
+                          <a:rPr lang="en-US" b="0" i="1" smtClean="0">
+                            <a:latin typeface="Cambria Math" panose="02040503050406030204" pitchFamily="18" charset="0"/>
+                          </a:rPr>
+                          <m:t>𝑒𝑓𝑓𝑙𝑢𝑥</m:t>
+                        </m:r>
+                      </m:sub>
+                    </m:sSub>
+                  </m:oMath>
+                </a14:m>
+                <a:r>
+                  <a:rPr lang="en-US" sz="1800" b="0" i="0" u="none" strike="noStrike" baseline="0" dirty="0">
+                    <a:solidFill>
+                      <a:srgbClr val="000000"/>
+                    </a:solidFill>
+                  </a:rPr>
+                  <a:t>):</a:t>
+                </a:r>
+                <a:endParaRPr lang="en-US" dirty="0"/>
+              </a:p>
+            </p:txBody>
+          </p:sp>
+        </mc:Choice>
+        <mc:Fallback>
+          <p:sp>
+            <p:nvSpPr>
+              <p:cNvPr id="6" name="TextBox 5">
+                <a:extLst>
+                  <a:ext uri="{FF2B5EF4-FFF2-40B4-BE49-F238E27FC236}">
+                    <a16:creationId xmlns:a16="http://schemas.microsoft.com/office/drawing/2014/main" id="{423E60A1-C525-418F-9669-9B92F562B1E4}"/>
+                  </a:ext>
+                </a:extLst>
+              </p:cNvPr>
+              <p:cNvSpPr txBox="1">
+                <a:spLocks noRot="1" noChangeAspect="1" noMove="1" noResize="1" noEditPoints="1" noAdjustHandles="1" noChangeArrowheads="1" noChangeShapeType="1" noTextEdit="1"/>
+              </p:cNvSpPr>
+              <p:nvPr/>
+            </p:nvSpPr>
+            <p:spPr>
+              <a:xfrm>
+                <a:off x="108378" y="3463941"/>
+                <a:ext cx="7740316" cy="391582"/>
+              </a:xfrm>
+              <a:prstGeom prst="rect">
+                <a:avLst/>
+              </a:prstGeom>
+              <a:blipFill>
+                <a:blip r:embed="rId2"/>
+                <a:stretch>
+                  <a:fillRect l="-709" t="-6250" b="-20313"/>
+                </a:stretch>
+              </a:blipFill>
+            </p:spPr>
+            <p:txBody>
+              <a:bodyPr/>
+              <a:lstStyle/>
+              <a:p>
+                <a:r>
+                  <a:rPr lang="en-US">
+                    <a:noFill/>
+                  </a:rPr>
+                  <a:t> </a:t>
+                </a:r>
+              </a:p>
+            </p:txBody>
+          </p:sp>
+        </mc:Fallback>
+      </mc:AlternateContent>
+      <mc:AlternateContent xmlns:mc="http://schemas.openxmlformats.org/markup-compatibility/2006">
+        <mc:Choice xmlns:a14="http://schemas.microsoft.com/office/drawing/2010/main" Requires="a14">
+          <p:sp>
+            <p:nvSpPr>
+              <p:cNvPr id="7" name="TextBox 6">
+                <a:extLst>
+                  <a:ext uri="{FF2B5EF4-FFF2-40B4-BE49-F238E27FC236}">
+                    <a16:creationId xmlns:a16="http://schemas.microsoft.com/office/drawing/2014/main" id="{3742C9CE-B029-473D-BBA2-1B55C257A517}"/>
+                  </a:ext>
+                </a:extLst>
+              </p:cNvPr>
+              <p:cNvSpPr txBox="1"/>
+              <p:nvPr/>
+            </p:nvSpPr>
+            <p:spPr>
+              <a:xfrm>
+                <a:off x="3839623" y="3904728"/>
+                <a:ext cx="1160639" cy="755784"/>
+              </a:xfrm>
+              <a:prstGeom prst="rect">
+                <a:avLst/>
+              </a:prstGeom>
+              <a:noFill/>
+            </p:spPr>
+            <p:txBody>
+              <a:bodyPr wrap="none" lIns="0" tIns="0" rIns="0" bIns="0" rtlCol="0">
+                <a:spAutoFit/>
+              </a:bodyPr>
+              <a:lstStyle/>
+              <a:p>
+                <a14:m>
+                  <m:oMathPara xmlns:m="http://schemas.openxmlformats.org/officeDocument/2006/math">
+                    <m:oMathParaPr>
+                      <m:jc m:val="centerGroup"/>
+                    </m:oMathParaPr>
+                    <m:oMath xmlns:m="http://schemas.openxmlformats.org/officeDocument/2006/math">
+                      <m:sSub>
+                        <m:sSubPr>
+                          <m:ctrlPr>
+                            <a:rPr lang="en-US" i="1" smtClean="0">
+                              <a:latin typeface="Cambria Math" panose="02040503050406030204" pitchFamily="18" charset="0"/>
+                            </a:rPr>
+                          </m:ctrlPr>
+                        </m:sSubPr>
+                        <m:e>
+                          <m:r>
+                            <a:rPr lang="en-US" b="0" i="1" smtClean="0">
+                              <a:latin typeface="Cambria Math" panose="02040503050406030204" pitchFamily="18" charset="0"/>
+                            </a:rPr>
+                            <m:t>𝑃</m:t>
+                          </m:r>
+                        </m:e>
+                        <m:sub>
+                          <m:r>
+                            <a:rPr lang="en-US" b="0" i="1" smtClean="0">
+                              <a:latin typeface="Cambria Math" panose="02040503050406030204" pitchFamily="18" charset="0"/>
+                            </a:rPr>
+                            <m:t>𝑎𝑝𝑝</m:t>
+                          </m:r>
+                        </m:sub>
+                      </m:sSub>
+                      <m:r>
+                        <a:rPr lang="en-US" b="0" i="1" smtClean="0">
+                          <a:latin typeface="Cambria Math" panose="02040503050406030204" pitchFamily="18" charset="0"/>
+                        </a:rPr>
+                        <m:t>=</m:t>
+                      </m:r>
+                      <m:f>
+                        <m:fPr>
+                          <m:ctrlPr>
+                            <a:rPr lang="en-US" b="0" i="1" smtClean="0">
+                              <a:latin typeface="Cambria Math" panose="02040503050406030204" pitchFamily="18" charset="0"/>
+                            </a:rPr>
+                          </m:ctrlPr>
+                        </m:fPr>
+                        <m:num>
+                          <m:f>
+                            <m:fPr>
+                              <m:ctrlPr>
+                                <a:rPr lang="en-US" b="0" i="1" smtClean="0">
+                                  <a:latin typeface="Cambria Math" panose="02040503050406030204" pitchFamily="18" charset="0"/>
+                                </a:rPr>
+                              </m:ctrlPr>
+                            </m:fPr>
+                            <m:num>
+                              <m:r>
+                                <a:rPr lang="en-US" b="0" i="1" smtClean="0">
+                                  <a:latin typeface="Cambria Math" panose="02040503050406030204" pitchFamily="18" charset="0"/>
+                                </a:rPr>
+                                <m:t>𝑑𝑄</m:t>
+                              </m:r>
+                            </m:num>
+                            <m:den>
+                              <m:r>
+                                <a:rPr lang="en-US" b="0" i="1" smtClean="0">
+                                  <a:latin typeface="Cambria Math" panose="02040503050406030204" pitchFamily="18" charset="0"/>
+                                </a:rPr>
+                                <m:t>𝑑𝑡</m:t>
+                              </m:r>
+                            </m:den>
+                          </m:f>
+                        </m:num>
+                        <m:den>
+                          <m:sSub>
+                            <m:sSubPr>
+                              <m:ctrlPr>
+                                <a:rPr lang="en-US" b="0" i="1" smtClean="0">
+                                  <a:latin typeface="Cambria Math" panose="02040503050406030204" pitchFamily="18" charset="0"/>
+                                </a:rPr>
+                              </m:ctrlPr>
+                            </m:sSubPr>
+                            <m:e>
+                              <m:r>
+                                <a:rPr lang="en-US" b="0" i="1" smtClean="0">
+                                  <a:latin typeface="Cambria Math" panose="02040503050406030204" pitchFamily="18" charset="0"/>
+                                </a:rPr>
+                                <m:t>𝐶</m:t>
+                              </m:r>
+                            </m:e>
+                            <m:sub>
+                              <m:r>
+                                <a:rPr lang="en-US" b="0" i="1" smtClean="0">
+                                  <a:latin typeface="Cambria Math" panose="02040503050406030204" pitchFamily="18" charset="0"/>
+                                </a:rPr>
+                                <m:t>0</m:t>
+                              </m:r>
+                            </m:sub>
+                          </m:sSub>
+                          <m:r>
+                            <a:rPr lang="en-US" b="0" i="1" smtClean="0">
+                              <a:latin typeface="Cambria Math" panose="02040503050406030204" pitchFamily="18" charset="0"/>
+                            </a:rPr>
+                            <m:t>𝐴</m:t>
+                          </m:r>
+                        </m:den>
+                      </m:f>
+                    </m:oMath>
+                  </m:oMathPara>
+                </a14:m>
+                <a:endParaRPr lang="en-US" dirty="0"/>
+              </a:p>
+            </p:txBody>
+          </p:sp>
+        </mc:Choice>
+        <mc:Fallback>
+          <p:sp>
+            <p:nvSpPr>
+              <p:cNvPr id="7" name="TextBox 6">
+                <a:extLst>
+                  <a:ext uri="{FF2B5EF4-FFF2-40B4-BE49-F238E27FC236}">
+                    <a16:creationId xmlns:a16="http://schemas.microsoft.com/office/drawing/2014/main" id="{3742C9CE-B029-473D-BBA2-1B55C257A517}"/>
+                  </a:ext>
+                </a:extLst>
+              </p:cNvPr>
+              <p:cNvSpPr txBox="1">
+                <a:spLocks noRot="1" noChangeAspect="1" noMove="1" noResize="1" noEditPoints="1" noAdjustHandles="1" noChangeArrowheads="1" noChangeShapeType="1" noTextEdit="1"/>
+              </p:cNvSpPr>
+              <p:nvPr/>
+            </p:nvSpPr>
+            <p:spPr>
+              <a:xfrm>
+                <a:off x="3839623" y="3904728"/>
+                <a:ext cx="1160639" cy="755784"/>
+              </a:xfrm>
+              <a:prstGeom prst="rect">
+                <a:avLst/>
+              </a:prstGeom>
+              <a:blipFill>
+                <a:blip r:embed="rId3"/>
+                <a:stretch>
+                  <a:fillRect/>
+                </a:stretch>
+              </a:blipFill>
+            </p:spPr>
+            <p:txBody>
+              <a:bodyPr/>
+              <a:lstStyle/>
+              <a:p>
+                <a:r>
+                  <a:rPr lang="en-US">
+                    <a:noFill/>
+                  </a:rPr>
+                  <a:t> </a:t>
+                </a:r>
+              </a:p>
+            </p:txBody>
+          </p:sp>
+        </mc:Fallback>
+      </mc:AlternateContent>
+      <mc:AlternateContent xmlns:mc="http://schemas.openxmlformats.org/markup-compatibility/2006">
+        <mc:Choice xmlns:a14="http://schemas.microsoft.com/office/drawing/2010/main" Requires="a14">
+          <p:sp>
+            <p:nvSpPr>
+              <p:cNvPr id="10" name="TextBox 9">
+                <a:extLst>
+                  <a:ext uri="{FF2B5EF4-FFF2-40B4-BE49-F238E27FC236}">
+                    <a16:creationId xmlns:a16="http://schemas.microsoft.com/office/drawing/2014/main" id="{E23BEBC1-E8BC-4CDB-911F-8C8768F72FDF}"/>
+                  </a:ext>
+                </a:extLst>
+              </p:cNvPr>
+              <p:cNvSpPr txBox="1"/>
+              <p:nvPr/>
+            </p:nvSpPr>
+            <p:spPr>
+              <a:xfrm>
+                <a:off x="695287" y="2303053"/>
+                <a:ext cx="5296755" cy="943976"/>
+              </a:xfrm>
+              <a:prstGeom prst="rect">
+                <a:avLst/>
+              </a:prstGeom>
+              <a:noFill/>
+            </p:spPr>
+            <p:txBody>
+              <a:bodyPr wrap="square" rtlCol="0">
+                <a:spAutoFit/>
+              </a:bodyPr>
+              <a:lstStyle/>
+              <a:p>
+                <a14:m>
+                  <m:oMath xmlns:m="http://schemas.openxmlformats.org/officeDocument/2006/math">
+                    <m:f>
+                      <m:fPr>
+                        <m:ctrlPr>
+                          <a:rPr lang="en-US" sz="1600" b="0" i="1" smtClean="0"/>
+                        </m:ctrlPr>
+                      </m:fPr>
+                      <m:num>
+                        <m:r>
+                          <a:rPr lang="en-US" sz="1600" b="0" i="1" smtClean="0"/>
+                          <m:t>𝑑𝑄</m:t>
+                        </m:r>
+                      </m:num>
+                      <m:den>
+                        <m:r>
+                          <a:rPr lang="en-US" sz="1600" b="0" i="1" smtClean="0"/>
+                          <m:t>𝑑𝑡</m:t>
+                        </m:r>
+                      </m:den>
+                    </m:f>
+                  </m:oMath>
+                </a14:m>
+                <a:r>
+                  <a:rPr lang="en-US" sz="1600" dirty="0"/>
+                  <a:t> is rate of permeation (</a:t>
+                </a:r>
+                <a:r>
+                  <a:rPr lang="en-US" sz="1600" dirty="0" err="1"/>
+                  <a:t>umol</a:t>
+                </a:r>
+                <a:r>
+                  <a:rPr lang="en-US" sz="1600" dirty="0"/>
+                  <a:t>/s)</a:t>
+                </a:r>
+              </a:p>
+              <a:p>
+                <a14:m>
+                  <m:oMath xmlns:m="http://schemas.openxmlformats.org/officeDocument/2006/math">
+                    <m:sSub>
+                      <m:sSubPr>
+                        <m:ctrlPr>
+                          <a:rPr lang="en-US" sz="1600" b="0" i="1" smtClean="0"/>
+                        </m:ctrlPr>
+                      </m:sSubPr>
+                      <m:e>
+                        <m:r>
+                          <a:rPr lang="en-US" sz="1600" b="0" i="1" smtClean="0"/>
+                          <m:t>𝐶</m:t>
+                        </m:r>
+                      </m:e>
+                      <m:sub>
+                        <m:r>
+                          <a:rPr lang="en-US" sz="1600" b="0" i="1" smtClean="0"/>
+                          <m:t>0</m:t>
+                        </m:r>
+                      </m:sub>
+                    </m:sSub>
+                  </m:oMath>
+                </a14:m>
+                <a:r>
+                  <a:rPr lang="en-US" sz="1600" dirty="0"/>
+                  <a:t> is initial concentration (</a:t>
+                </a:r>
+                <a:r>
+                  <a:rPr lang="en-US" sz="1600" dirty="0" err="1"/>
+                  <a:t>uM</a:t>
+                </a:r>
+                <a:r>
+                  <a:rPr lang="en-US" sz="1600" dirty="0"/>
+                  <a:t> = </a:t>
+                </a:r>
+                <a:r>
+                  <a:rPr lang="en-US" sz="1600" dirty="0" err="1"/>
+                  <a:t>umol</a:t>
+                </a:r>
+                <a:r>
+                  <a:rPr lang="en-US" sz="1600" dirty="0"/>
+                  <a:t>/L)</a:t>
+                </a:r>
+              </a:p>
+              <a:p>
+                <a:r>
+                  <a:rPr lang="en-US" sz="1600" dirty="0"/>
+                  <a:t>A is area of the monolayer (</a:t>
+                </a:r>
+                <a:r>
+                  <a:rPr lang="en-US" sz="1600" b="0" i="0" u="none" strike="noStrike" baseline="0" dirty="0">
+                    <a:solidFill>
+                      <a:srgbClr val="000000"/>
+                    </a:solidFill>
+                  </a:rPr>
+                  <a:t>cm</a:t>
+                </a:r>
+                <a:r>
+                  <a:rPr lang="en-US" sz="1600" b="0" i="0" u="none" strike="noStrike" baseline="30000" dirty="0">
+                    <a:solidFill>
+                      <a:srgbClr val="000000"/>
+                    </a:solidFill>
+                  </a:rPr>
+                  <a:t>2</a:t>
+                </a:r>
+                <a:r>
+                  <a:rPr lang="en-US" sz="1600" b="0" i="0" u="none" strike="noStrike" baseline="0" dirty="0">
+                    <a:solidFill>
+                      <a:srgbClr val="000000"/>
+                    </a:solidFill>
+                  </a:rPr>
+                  <a:t>, 0.11 for 96-well plate)</a:t>
+                </a:r>
+                <a:endParaRPr lang="en-US" sz="1600" dirty="0"/>
+              </a:p>
+            </p:txBody>
+          </p:sp>
+        </mc:Choice>
+        <mc:Fallback>
+          <p:sp>
+            <p:nvSpPr>
+              <p:cNvPr id="10" name="TextBox 9">
+                <a:extLst>
+                  <a:ext uri="{FF2B5EF4-FFF2-40B4-BE49-F238E27FC236}">
+                    <a16:creationId xmlns:a16="http://schemas.microsoft.com/office/drawing/2014/main" id="{E23BEBC1-E8BC-4CDB-911F-8C8768F72FDF}"/>
+                  </a:ext>
+                </a:extLst>
+              </p:cNvPr>
+              <p:cNvSpPr txBox="1">
+                <a:spLocks noRot="1" noChangeAspect="1" noMove="1" noResize="1" noEditPoints="1" noAdjustHandles="1" noChangeArrowheads="1" noChangeShapeType="1" noTextEdit="1"/>
+              </p:cNvSpPr>
+              <p:nvPr/>
+            </p:nvSpPr>
+            <p:spPr>
+              <a:xfrm>
+                <a:off x="695287" y="2303053"/>
+                <a:ext cx="5296755" cy="943976"/>
+              </a:xfrm>
+              <a:prstGeom prst="rect">
+                <a:avLst/>
+              </a:prstGeom>
+              <a:blipFill>
+                <a:blip r:embed="rId4"/>
+                <a:stretch>
+                  <a:fillRect l="-575" b="-7742"/>
+                </a:stretch>
+              </a:blipFill>
+            </p:spPr>
+            <p:txBody>
+              <a:bodyPr/>
+              <a:lstStyle/>
+              <a:p>
+                <a:r>
+                  <a:rPr lang="en-US">
+                    <a:noFill/>
+                  </a:rPr>
+                  <a:t> </a:t>
+                </a:r>
+              </a:p>
+            </p:txBody>
+          </p:sp>
+        </mc:Fallback>
+      </mc:AlternateContent>
+      <p:sp>
+        <p:nvSpPr>
+          <p:cNvPr id="12" name="TextBox 11">
+            <a:extLst>
+              <a:ext uri="{FF2B5EF4-FFF2-40B4-BE49-F238E27FC236}">
+                <a16:creationId xmlns:a16="http://schemas.microsoft.com/office/drawing/2014/main" id="{810AECDC-D03D-42A6-9631-50E8A4894F32}"/>
+              </a:ext>
+            </a:extLst>
+          </p:cNvPr>
+          <p:cNvSpPr txBox="1"/>
+          <p:nvPr/>
+        </p:nvSpPr>
+        <p:spPr>
+          <a:xfrm>
+            <a:off x="112712" y="4850871"/>
+            <a:ext cx="6096000" cy="369332"/>
+          </a:xfrm>
+          <a:prstGeom prst="rect">
+            <a:avLst/>
+          </a:prstGeom>
+          <a:noFill/>
+        </p:spPr>
+        <p:txBody>
+          <a:bodyPr wrap="square">
+            <a:spAutoFit/>
+          </a:bodyPr>
+          <a:lstStyle/>
+          <a:p>
+            <a:r>
+              <a:rPr lang="en-US" sz="1800" b="0" i="0" u="none" strike="noStrike" baseline="0" dirty="0">
                 <a:solidFill>
-                  <a:srgbClr val="FF0000"/>
+                  <a:srgbClr val="000000"/>
                 </a:solidFill>
+                <a:latin typeface="Times New Roman" panose="02020603050405020304" pitchFamily="18" charset="0"/>
               </a:rPr>
-              <a:t>Rb:p</a:t>
-            </a:r>
-            <a:r>
-              <a:rPr lang="en-US" dirty="0">
+              <a:t>C</a:t>
+            </a:r>
+            <a:r>
+              <a:rPr lang="en-US" sz="1800" b="0" i="0" u="none" strike="noStrike" baseline="-25000" dirty="0">
                 <a:solidFill>
-                  <a:srgbClr val="FF0000"/>
+                  <a:srgbClr val="000000"/>
                 </a:solidFill>
+                <a:latin typeface="Times New Roman" panose="02020603050405020304" pitchFamily="18" charset="0"/>
               </a:rPr>
-              <a:t> from level 2 file</a:t>
-            </a:r>
-          </a:p>
-          <a:p>
-            <a:pPr marL="285750" indent="-285750">
-              <a:buFont typeface="Arial" panose="020B0604020202020204" pitchFamily="34" charset="0"/>
-              <a:buChar char="•"/>
-            </a:pPr>
-            <a:r>
-              <a:rPr lang="en-US" b="1" dirty="0">
+              <a:t>0</a:t>
+            </a:r>
+            <a:r>
+              <a:rPr lang="en-US" sz="1800" b="0" i="0" u="none" strike="noStrike" baseline="0" dirty="0">
                 <a:solidFill>
-                  <a:srgbClr val="FF0000"/>
+                  <a:srgbClr val="000000"/>
                 </a:solidFill>
+                <a:latin typeface="Times New Roman" panose="02020603050405020304" pitchFamily="18" charset="0"/>
               </a:rPr>
-              <a:t>calc_rb2p</a:t>
-            </a:r>
-            <a:r>
-              <a:rPr lang="en-US" dirty="0">
-                <a:solidFill>
-                  <a:srgbClr val="FF0000"/>
-                </a:solidFill>
-              </a:rPr>
-              <a:t>– calculates Bayesian estimate of </a:t>
-            </a:r>
-            <a:r>
-              <a:rPr lang="en-US" dirty="0" err="1">
-                <a:solidFill>
-                  <a:srgbClr val="FF0000"/>
-                </a:solidFill>
-              </a:rPr>
-              <a:t>Rb:p</a:t>
-            </a:r>
-            <a:r>
-              <a:rPr lang="en-US" dirty="0">
-                <a:solidFill>
-                  <a:srgbClr val="FF0000"/>
-                </a:solidFill>
-              </a:rPr>
-              <a:t> from level 2 file</a:t>
+              <a:t> is determined from the peak area ratio of the dosing solution</a:t>
+            </a:r>
+          </a:p>
+        </p:txBody>
+      </p:sp>
+      <mc:AlternateContent xmlns:mc="http://schemas.openxmlformats.org/markup-compatibility/2006">
+        <mc:Choice xmlns:a14="http://schemas.microsoft.com/office/drawing/2010/main" Requires="a14">
+          <p:sp>
+            <p:nvSpPr>
+              <p:cNvPr id="14" name="TextBox 13">
+                <a:extLst>
+                  <a:ext uri="{FF2B5EF4-FFF2-40B4-BE49-F238E27FC236}">
+                    <a16:creationId xmlns:a16="http://schemas.microsoft.com/office/drawing/2014/main" id="{76D18B78-74DB-4C8B-933A-49B763C4B397}"/>
+                  </a:ext>
+                </a:extLst>
+              </p:cNvPr>
+              <p:cNvSpPr txBox="1"/>
+              <p:nvPr/>
+            </p:nvSpPr>
+            <p:spPr>
+              <a:xfrm>
+                <a:off x="623729" y="4043522"/>
+                <a:ext cx="2900474" cy="525913"/>
+              </a:xfrm>
+              <a:prstGeom prst="rect">
+                <a:avLst/>
+              </a:prstGeom>
+              <a:noFill/>
+            </p:spPr>
+            <p:txBody>
+              <a:bodyPr wrap="none" lIns="0" tIns="0" rIns="0" bIns="0" rtlCol="0">
+                <a:spAutoFit/>
+              </a:bodyPr>
+              <a:lstStyle/>
+              <a:p>
+                <a14:m>
+                  <m:oMathPara xmlns:m="http://schemas.openxmlformats.org/officeDocument/2006/math">
+                    <m:oMathParaPr>
+                      <m:jc m:val="centerGroup"/>
+                    </m:oMathParaPr>
+                    <m:oMath xmlns:m="http://schemas.openxmlformats.org/officeDocument/2006/math">
+                      <m:f>
+                        <m:fPr>
+                          <m:ctrlPr>
+                            <a:rPr lang="en-US" i="1" smtClean="0">
+                              <a:latin typeface="Cambria Math" panose="02040503050406030204" pitchFamily="18" charset="0"/>
+                            </a:rPr>
+                          </m:ctrlPr>
+                        </m:fPr>
+                        <m:num>
+                          <m:r>
+                            <a:rPr lang="en-US" i="1">
+                              <a:latin typeface="Cambria Math" panose="02040503050406030204" pitchFamily="18" charset="0"/>
+                            </a:rPr>
+                            <m:t>𝑑𝑄</m:t>
+                          </m:r>
+                        </m:num>
+                        <m:den>
+                          <m:r>
+                            <a:rPr lang="en-US" i="1">
+                              <a:latin typeface="Cambria Math" panose="02040503050406030204" pitchFamily="18" charset="0"/>
+                            </a:rPr>
+                            <m:t>𝑑𝑡</m:t>
+                          </m:r>
+                        </m:den>
+                      </m:f>
+                      <m:r>
+                        <a:rPr lang="en-US" i="1" smtClean="0">
+                          <a:latin typeface="Cambria Math" panose="02040503050406030204" pitchFamily="18" charset="0"/>
+                          <a:ea typeface="Cambria Math" panose="02040503050406030204" pitchFamily="18" charset="0"/>
+                        </a:rPr>
+                        <m:t>≈</m:t>
+                      </m:r>
+                      <m:f>
+                        <m:fPr>
+                          <m:ctrlPr>
+                            <a:rPr lang="en-US" i="1">
+                              <a:latin typeface="Cambria Math" panose="02040503050406030204" pitchFamily="18" charset="0"/>
+                            </a:rPr>
+                          </m:ctrlPr>
+                        </m:fPr>
+                        <m:num>
+                          <m:r>
+                            <a:rPr lang="en-US" i="1">
+                              <a:latin typeface="Cambria Math" panose="02040503050406030204" pitchFamily="18" charset="0"/>
+                              <a:ea typeface="Cambria Math" panose="02040503050406030204" pitchFamily="18" charset="0"/>
+                            </a:rPr>
+                            <m:t>∆</m:t>
+                          </m:r>
+                          <m:r>
+                            <a:rPr lang="en-US" b="0" i="1" smtClean="0">
+                              <a:latin typeface="Cambria Math" panose="02040503050406030204" pitchFamily="18" charset="0"/>
+                              <a:ea typeface="Cambria Math" panose="02040503050406030204" pitchFamily="18" charset="0"/>
+                            </a:rPr>
+                            <m:t>𝑄</m:t>
+                          </m:r>
+                        </m:num>
+                        <m:den>
+                          <m:r>
+                            <a:rPr lang="en-US" i="1">
+                              <a:latin typeface="Cambria Math" panose="02040503050406030204" pitchFamily="18" charset="0"/>
+                              <a:ea typeface="Cambria Math" panose="02040503050406030204" pitchFamily="18" charset="0"/>
+                            </a:rPr>
+                            <m:t>∆</m:t>
+                          </m:r>
+                          <m:r>
+                            <a:rPr lang="en-US" b="0" i="1" smtClean="0">
+                              <a:latin typeface="Cambria Math" panose="02040503050406030204" pitchFamily="18" charset="0"/>
+                              <a:ea typeface="Cambria Math" panose="02040503050406030204" pitchFamily="18" charset="0"/>
+                            </a:rPr>
+                            <m:t>𝑡</m:t>
+                          </m:r>
+                        </m:den>
+                      </m:f>
+                      <m:r>
+                        <a:rPr lang="en-US" b="0" i="1" smtClean="0">
+                          <a:latin typeface="Cambria Math" panose="02040503050406030204" pitchFamily="18" charset="0"/>
+                        </a:rPr>
+                        <m:t>=</m:t>
+                      </m:r>
+                      <m:f>
+                        <m:fPr>
+                          <m:ctrlPr>
+                            <a:rPr lang="en-US" b="0" i="1" smtClean="0">
+                              <a:latin typeface="Cambria Math" panose="02040503050406030204" pitchFamily="18" charset="0"/>
+                            </a:rPr>
+                          </m:ctrlPr>
+                        </m:fPr>
+                        <m:num>
+                          <m:sSub>
+                            <m:sSubPr>
+                              <m:ctrlPr>
+                                <a:rPr lang="en-US" i="1">
+                                  <a:latin typeface="Cambria Math" panose="02040503050406030204" pitchFamily="18" charset="0"/>
+                                </a:rPr>
+                              </m:ctrlPr>
+                            </m:sSubPr>
+                            <m:e>
+                              <m:r>
+                                <a:rPr lang="en-US" i="1">
+                                  <a:latin typeface="Cambria Math" panose="02040503050406030204" pitchFamily="18" charset="0"/>
+                                </a:rPr>
+                                <m:t>𝐶</m:t>
+                              </m:r>
+                            </m:e>
+                            <m:sub>
+                              <m:r>
+                                <a:rPr lang="en-US" b="0" i="1" smtClean="0">
+                                  <a:latin typeface="Cambria Math" panose="02040503050406030204" pitchFamily="18" charset="0"/>
+                                </a:rPr>
+                                <m:t>𝑟𝑒𝑐𝑒𝑖𝑣𝑒𝑟</m:t>
+                              </m:r>
+                            </m:sub>
+                          </m:sSub>
+                          <m:sSub>
+                            <m:sSubPr>
+                              <m:ctrlPr>
+                                <a:rPr lang="en-US" i="1">
+                                  <a:latin typeface="Cambria Math" panose="02040503050406030204" pitchFamily="18" charset="0"/>
+                                </a:rPr>
+                              </m:ctrlPr>
+                            </m:sSubPr>
+                            <m:e>
+                              <m:r>
+                                <a:rPr lang="en-US" b="0" i="1" smtClean="0">
+                                  <a:latin typeface="Cambria Math" panose="02040503050406030204" pitchFamily="18" charset="0"/>
+                                </a:rPr>
+                                <m:t>𝑉</m:t>
+                              </m:r>
+                            </m:e>
+                            <m:sub>
+                              <m:r>
+                                <a:rPr lang="en-US" i="1">
+                                  <a:latin typeface="Cambria Math" panose="02040503050406030204" pitchFamily="18" charset="0"/>
+                                </a:rPr>
+                                <m:t>𝑟𝑒𝑐𝑒𝑖𝑣𝑒𝑟</m:t>
+                              </m:r>
+                            </m:sub>
+                          </m:sSub>
+                        </m:num>
+                        <m:den>
+                          <m:r>
+                            <a:rPr lang="en-US" i="1">
+                              <a:latin typeface="Cambria Math" panose="02040503050406030204" pitchFamily="18" charset="0"/>
+                              <a:ea typeface="Cambria Math" panose="02040503050406030204" pitchFamily="18" charset="0"/>
+                            </a:rPr>
+                            <m:t>∆</m:t>
+                          </m:r>
+                          <m:r>
+                            <a:rPr lang="en-US" i="1">
+                              <a:latin typeface="Cambria Math" panose="02040503050406030204" pitchFamily="18" charset="0"/>
+                              <a:ea typeface="Cambria Math" panose="02040503050406030204" pitchFamily="18" charset="0"/>
+                            </a:rPr>
+                            <m:t>𝑡</m:t>
+                          </m:r>
+                        </m:den>
+                      </m:f>
+                    </m:oMath>
+                  </m:oMathPara>
+                </a14:m>
+                <a:endParaRPr lang="en-US" dirty="0"/>
+              </a:p>
+            </p:txBody>
+          </p:sp>
+        </mc:Choice>
+        <mc:Fallback>
+          <p:sp>
+            <p:nvSpPr>
+              <p:cNvPr id="14" name="TextBox 13">
+                <a:extLst>
+                  <a:ext uri="{FF2B5EF4-FFF2-40B4-BE49-F238E27FC236}">
+                    <a16:creationId xmlns:a16="http://schemas.microsoft.com/office/drawing/2014/main" id="{76D18B78-74DB-4C8B-933A-49B763C4B397}"/>
+                  </a:ext>
+                </a:extLst>
+              </p:cNvPr>
+              <p:cNvSpPr txBox="1">
+                <a:spLocks noRot="1" noChangeAspect="1" noMove="1" noResize="1" noEditPoints="1" noAdjustHandles="1" noChangeArrowheads="1" noChangeShapeType="1" noTextEdit="1"/>
+              </p:cNvSpPr>
+              <p:nvPr/>
+            </p:nvSpPr>
+            <p:spPr>
+              <a:xfrm>
+                <a:off x="623729" y="4043522"/>
+                <a:ext cx="2900474" cy="525913"/>
+              </a:xfrm>
+              <a:prstGeom prst="rect">
+                <a:avLst/>
+              </a:prstGeom>
+              <a:blipFill>
+                <a:blip r:embed="rId5"/>
+                <a:stretch>
+                  <a:fillRect/>
+                </a:stretch>
+              </a:blipFill>
+            </p:spPr>
+            <p:txBody>
+              <a:bodyPr/>
+              <a:lstStyle/>
+              <a:p>
+                <a:r>
+                  <a:rPr lang="en-US">
+                    <a:noFill/>
+                  </a:rPr>
+                  <a:t> </a:t>
+                </a:r>
+              </a:p>
+            </p:txBody>
+          </p:sp>
+        </mc:Fallback>
+      </mc:AlternateContent>
+      <p:grpSp>
+        <p:nvGrpSpPr>
+          <p:cNvPr id="29" name="Group 28">
+            <a:extLst>
+              <a:ext uri="{FF2B5EF4-FFF2-40B4-BE49-F238E27FC236}">
+                <a16:creationId xmlns:a16="http://schemas.microsoft.com/office/drawing/2014/main" id="{D0617B7E-A67A-4583-9A36-E2105D7C6934}"/>
+              </a:ext>
+            </a:extLst>
+          </p:cNvPr>
+          <p:cNvGrpSpPr/>
+          <p:nvPr/>
+        </p:nvGrpSpPr>
+        <p:grpSpPr>
+          <a:xfrm>
+            <a:off x="6700067" y="2262555"/>
+            <a:ext cx="2526535" cy="1179052"/>
+            <a:chOff x="6692595" y="2262555"/>
+            <a:chExt cx="2267737" cy="1179052"/>
+          </a:xfrm>
+        </p:grpSpPr>
+        <p:sp>
+          <p:nvSpPr>
+            <p:cNvPr id="15" name="Rectangle 14">
+              <a:extLst>
+                <a:ext uri="{FF2B5EF4-FFF2-40B4-BE49-F238E27FC236}">
+                  <a16:creationId xmlns:a16="http://schemas.microsoft.com/office/drawing/2014/main" id="{169CC505-77C1-4293-9CDC-1F42C24D809D}"/>
+                </a:ext>
+              </a:extLst>
+            </p:cNvPr>
+            <p:cNvSpPr/>
+            <p:nvPr/>
+          </p:nvSpPr>
+          <p:spPr>
+            <a:xfrm>
+              <a:off x="6702620" y="2328911"/>
+              <a:ext cx="1892968" cy="369332"/>
+            </a:xfrm>
+            <a:prstGeom prst="rect">
+              <a:avLst/>
+            </a:prstGeom>
+          </p:spPr>
+          <p:style>
+            <a:lnRef idx="2">
+              <a:schemeClr val="accent1">
+                <a:shade val="50000"/>
+              </a:schemeClr>
+            </a:lnRef>
+            <a:fillRef idx="1">
+              <a:schemeClr val="accent1"/>
+            </a:fillRef>
+            <a:effectRef idx="0">
+              <a:schemeClr val="accent1"/>
+            </a:effectRef>
+            <a:fontRef idx="minor">
+              <a:schemeClr val="lt1"/>
+            </a:fontRef>
+          </p:style>
+          <p:txBody>
+            <a:bodyPr rtlCol="0" anchor="ctr"/>
+            <a:lstStyle/>
+            <a:p>
+              <a:pPr algn="ctr"/>
+              <a:endParaRPr lang="en-US" dirty="0"/>
+            </a:p>
+          </p:txBody>
+        </p:sp>
+        <p:sp>
+          <p:nvSpPr>
+            <p:cNvPr id="16" name="Rectangle 15">
+              <a:extLst>
+                <a:ext uri="{FF2B5EF4-FFF2-40B4-BE49-F238E27FC236}">
+                  <a16:creationId xmlns:a16="http://schemas.microsoft.com/office/drawing/2014/main" id="{58875128-CDB1-4172-B733-38F9393782BA}"/>
+                </a:ext>
+              </a:extLst>
+            </p:cNvPr>
+            <p:cNvSpPr/>
+            <p:nvPr/>
+          </p:nvSpPr>
+          <p:spPr>
+            <a:xfrm>
+              <a:off x="6702620" y="2685823"/>
+              <a:ext cx="1892968" cy="755784"/>
+            </a:xfrm>
+            <a:prstGeom prst="rect">
+              <a:avLst/>
+            </a:prstGeom>
+            <a:solidFill>
+              <a:schemeClr val="accent2"/>
+            </a:solidFill>
+            <a:ln>
+              <a:solidFill>
+                <a:schemeClr val="accent2">
+                  <a:lumMod val="75000"/>
+                </a:schemeClr>
+              </a:solidFill>
+            </a:ln>
+          </p:spPr>
+          <p:style>
+            <a:lnRef idx="2">
+              <a:schemeClr val="accent1">
+                <a:shade val="50000"/>
+              </a:schemeClr>
+            </a:lnRef>
+            <a:fillRef idx="1">
+              <a:schemeClr val="accent1"/>
+            </a:fillRef>
+            <a:effectRef idx="0">
+              <a:schemeClr val="accent1"/>
+            </a:effectRef>
+            <a:fontRef idx="minor">
+              <a:schemeClr val="lt1"/>
+            </a:fontRef>
+          </p:style>
+          <p:txBody>
+            <a:bodyPr rtlCol="0" anchor="ctr"/>
+            <a:lstStyle/>
+            <a:p>
+              <a:pPr algn="ctr"/>
+              <a:r>
+                <a:rPr lang="en-US" dirty="0"/>
+                <a:t>Basal</a:t>
+              </a:r>
+              <a:r>
+                <a:rPr lang="en-US" dirty="0">
+                  <a:solidFill>
+                    <a:schemeClr val="bg1"/>
+                  </a:solidFill>
+                </a:rPr>
+                <a:t> (vol 0.25 cm</a:t>
+              </a:r>
+              <a:r>
+                <a:rPr lang="en-US" baseline="30000" dirty="0">
+                  <a:solidFill>
+                    <a:schemeClr val="bg1"/>
+                  </a:solidFill>
+                </a:rPr>
+                <a:t>3</a:t>
+              </a:r>
+              <a:r>
+                <a:rPr lang="en-US" dirty="0">
+                  <a:solidFill>
+                    <a:schemeClr val="bg1"/>
+                  </a:solidFill>
+                </a:rPr>
+                <a:t>) </a:t>
+              </a:r>
+              <a:endParaRPr lang="en-US" dirty="0"/>
+            </a:p>
+          </p:txBody>
+        </p:sp>
+        <p:sp>
+          <p:nvSpPr>
+            <p:cNvPr id="20" name="Cylinder 19">
+              <a:extLst>
+                <a:ext uri="{FF2B5EF4-FFF2-40B4-BE49-F238E27FC236}">
+                  <a16:creationId xmlns:a16="http://schemas.microsoft.com/office/drawing/2014/main" id="{8B9486D3-821C-4597-8A5A-6E40DE93F2FB}"/>
+                </a:ext>
+              </a:extLst>
+            </p:cNvPr>
+            <p:cNvSpPr/>
+            <p:nvPr/>
+          </p:nvSpPr>
+          <p:spPr>
+            <a:xfrm>
+              <a:off x="6700837" y="2618612"/>
+              <a:ext cx="257175" cy="128731"/>
+            </a:xfrm>
+            <a:prstGeom prst="can">
+              <a:avLst/>
+            </a:prstGeom>
+            <a:solidFill>
+              <a:srgbClr val="F61274"/>
+            </a:solidFill>
+            <a:ln>
+              <a:solidFill>
+                <a:srgbClr val="C10757"/>
+              </a:solidFill>
+            </a:ln>
+          </p:spPr>
+          <p:style>
+            <a:lnRef idx="2">
+              <a:schemeClr val="accent1">
+                <a:shade val="50000"/>
+              </a:schemeClr>
+            </a:lnRef>
+            <a:fillRef idx="1">
+              <a:schemeClr val="accent1"/>
+            </a:fillRef>
+            <a:effectRef idx="0">
+              <a:schemeClr val="accent1"/>
+            </a:effectRef>
+            <a:fontRef idx="minor">
+              <a:schemeClr val="lt1"/>
+            </a:fontRef>
+          </p:style>
+          <p:txBody>
+            <a:bodyPr rtlCol="0" anchor="ctr"/>
+            <a:lstStyle/>
+            <a:p>
+              <a:pPr algn="ctr"/>
+              <a:endParaRPr lang="en-US"/>
+            </a:p>
+          </p:txBody>
+        </p:sp>
+        <p:sp>
+          <p:nvSpPr>
+            <p:cNvPr id="21" name="Cylinder 20">
+              <a:extLst>
+                <a:ext uri="{FF2B5EF4-FFF2-40B4-BE49-F238E27FC236}">
+                  <a16:creationId xmlns:a16="http://schemas.microsoft.com/office/drawing/2014/main" id="{B6C6477C-2720-4B4E-A2A9-0AAD567D3FF9}"/>
+                </a:ext>
+              </a:extLst>
+            </p:cNvPr>
+            <p:cNvSpPr/>
+            <p:nvPr/>
+          </p:nvSpPr>
+          <p:spPr>
+            <a:xfrm>
+              <a:off x="6935409" y="2618612"/>
+              <a:ext cx="257175" cy="128731"/>
+            </a:xfrm>
+            <a:prstGeom prst="can">
+              <a:avLst/>
+            </a:prstGeom>
+            <a:solidFill>
+              <a:srgbClr val="F61274"/>
+            </a:solidFill>
+            <a:ln>
+              <a:solidFill>
+                <a:srgbClr val="C10757"/>
+              </a:solidFill>
+            </a:ln>
+          </p:spPr>
+          <p:style>
+            <a:lnRef idx="2">
+              <a:schemeClr val="accent1">
+                <a:shade val="50000"/>
+              </a:schemeClr>
+            </a:lnRef>
+            <a:fillRef idx="1">
+              <a:schemeClr val="accent1"/>
+            </a:fillRef>
+            <a:effectRef idx="0">
+              <a:schemeClr val="accent1"/>
+            </a:effectRef>
+            <a:fontRef idx="minor">
+              <a:schemeClr val="lt1"/>
+            </a:fontRef>
+          </p:style>
+          <p:txBody>
+            <a:bodyPr rtlCol="0" anchor="ctr"/>
+            <a:lstStyle/>
+            <a:p>
+              <a:pPr algn="ctr"/>
+              <a:endParaRPr lang="en-US"/>
+            </a:p>
+          </p:txBody>
+        </p:sp>
+        <p:sp>
+          <p:nvSpPr>
+            <p:cNvPr id="22" name="Cylinder 21">
+              <a:extLst>
+                <a:ext uri="{FF2B5EF4-FFF2-40B4-BE49-F238E27FC236}">
+                  <a16:creationId xmlns:a16="http://schemas.microsoft.com/office/drawing/2014/main" id="{6C08735B-7F93-4630-B4C2-F9FABFBB3DCC}"/>
+                </a:ext>
+              </a:extLst>
+            </p:cNvPr>
+            <p:cNvSpPr/>
+            <p:nvPr/>
+          </p:nvSpPr>
+          <p:spPr>
+            <a:xfrm>
+              <a:off x="7169981" y="2618612"/>
+              <a:ext cx="257175" cy="128731"/>
+            </a:xfrm>
+            <a:prstGeom prst="can">
+              <a:avLst/>
+            </a:prstGeom>
+            <a:solidFill>
+              <a:srgbClr val="F61274"/>
+            </a:solidFill>
+            <a:ln>
+              <a:solidFill>
+                <a:srgbClr val="C10757"/>
+              </a:solidFill>
+            </a:ln>
+          </p:spPr>
+          <p:style>
+            <a:lnRef idx="2">
+              <a:schemeClr val="accent1">
+                <a:shade val="50000"/>
+              </a:schemeClr>
+            </a:lnRef>
+            <a:fillRef idx="1">
+              <a:schemeClr val="accent1"/>
+            </a:fillRef>
+            <a:effectRef idx="0">
+              <a:schemeClr val="accent1"/>
+            </a:effectRef>
+            <a:fontRef idx="minor">
+              <a:schemeClr val="lt1"/>
+            </a:fontRef>
+          </p:style>
+          <p:txBody>
+            <a:bodyPr rtlCol="0" anchor="ctr"/>
+            <a:lstStyle/>
+            <a:p>
+              <a:pPr algn="ctr"/>
+              <a:endParaRPr lang="en-US"/>
+            </a:p>
+          </p:txBody>
+        </p:sp>
+        <p:sp>
+          <p:nvSpPr>
+            <p:cNvPr id="23" name="Cylinder 22">
+              <a:extLst>
+                <a:ext uri="{FF2B5EF4-FFF2-40B4-BE49-F238E27FC236}">
+                  <a16:creationId xmlns:a16="http://schemas.microsoft.com/office/drawing/2014/main" id="{BEF0CD18-0B0E-4515-8AA8-0BA67C3AE755}"/>
+                </a:ext>
+              </a:extLst>
+            </p:cNvPr>
+            <p:cNvSpPr/>
+            <p:nvPr/>
+          </p:nvSpPr>
+          <p:spPr>
+            <a:xfrm>
+              <a:off x="7404553" y="2618612"/>
+              <a:ext cx="257175" cy="128731"/>
+            </a:xfrm>
+            <a:prstGeom prst="can">
+              <a:avLst/>
+            </a:prstGeom>
+            <a:solidFill>
+              <a:srgbClr val="F61274"/>
+            </a:solidFill>
+            <a:ln>
+              <a:solidFill>
+                <a:srgbClr val="C10757"/>
+              </a:solidFill>
+            </a:ln>
+          </p:spPr>
+          <p:style>
+            <a:lnRef idx="2">
+              <a:schemeClr val="accent1">
+                <a:shade val="50000"/>
+              </a:schemeClr>
+            </a:lnRef>
+            <a:fillRef idx="1">
+              <a:schemeClr val="accent1"/>
+            </a:fillRef>
+            <a:effectRef idx="0">
+              <a:schemeClr val="accent1"/>
+            </a:effectRef>
+            <a:fontRef idx="minor">
+              <a:schemeClr val="lt1"/>
+            </a:fontRef>
+          </p:style>
+          <p:txBody>
+            <a:bodyPr rtlCol="0" anchor="ctr"/>
+            <a:lstStyle/>
+            <a:p>
+              <a:pPr algn="ctr"/>
+              <a:endParaRPr lang="en-US"/>
+            </a:p>
+          </p:txBody>
+        </p:sp>
+        <p:sp>
+          <p:nvSpPr>
+            <p:cNvPr id="24" name="Cylinder 23">
+              <a:extLst>
+                <a:ext uri="{FF2B5EF4-FFF2-40B4-BE49-F238E27FC236}">
+                  <a16:creationId xmlns:a16="http://schemas.microsoft.com/office/drawing/2014/main" id="{4D13C204-6E36-4CCB-84A2-BCE4B57A4654}"/>
+                </a:ext>
+              </a:extLst>
+            </p:cNvPr>
+            <p:cNvSpPr/>
+            <p:nvPr/>
+          </p:nvSpPr>
+          <p:spPr>
+            <a:xfrm>
+              <a:off x="7639125" y="2618612"/>
+              <a:ext cx="257175" cy="128731"/>
+            </a:xfrm>
+            <a:prstGeom prst="can">
+              <a:avLst/>
+            </a:prstGeom>
+            <a:solidFill>
+              <a:srgbClr val="F61274"/>
+            </a:solidFill>
+            <a:ln>
+              <a:solidFill>
+                <a:srgbClr val="C10757"/>
+              </a:solidFill>
+            </a:ln>
+          </p:spPr>
+          <p:style>
+            <a:lnRef idx="2">
+              <a:schemeClr val="accent1">
+                <a:shade val="50000"/>
+              </a:schemeClr>
+            </a:lnRef>
+            <a:fillRef idx="1">
+              <a:schemeClr val="accent1"/>
+            </a:fillRef>
+            <a:effectRef idx="0">
+              <a:schemeClr val="accent1"/>
+            </a:effectRef>
+            <a:fontRef idx="minor">
+              <a:schemeClr val="lt1"/>
+            </a:fontRef>
+          </p:style>
+          <p:txBody>
+            <a:bodyPr rtlCol="0" anchor="ctr"/>
+            <a:lstStyle/>
+            <a:p>
+              <a:pPr algn="ctr"/>
+              <a:endParaRPr lang="en-US"/>
+            </a:p>
+          </p:txBody>
+        </p:sp>
+        <p:sp>
+          <p:nvSpPr>
+            <p:cNvPr id="25" name="Cylinder 24">
+              <a:extLst>
+                <a:ext uri="{FF2B5EF4-FFF2-40B4-BE49-F238E27FC236}">
+                  <a16:creationId xmlns:a16="http://schemas.microsoft.com/office/drawing/2014/main" id="{C09385F1-2C10-4E53-93CE-BEA5115CBE57}"/>
+                </a:ext>
+              </a:extLst>
+            </p:cNvPr>
+            <p:cNvSpPr/>
+            <p:nvPr/>
+          </p:nvSpPr>
+          <p:spPr>
+            <a:xfrm>
+              <a:off x="7873697" y="2618612"/>
+              <a:ext cx="257175" cy="128731"/>
+            </a:xfrm>
+            <a:prstGeom prst="can">
+              <a:avLst/>
+            </a:prstGeom>
+            <a:solidFill>
+              <a:srgbClr val="F61274"/>
+            </a:solidFill>
+            <a:ln>
+              <a:solidFill>
+                <a:srgbClr val="C10757"/>
+              </a:solidFill>
+            </a:ln>
+          </p:spPr>
+          <p:style>
+            <a:lnRef idx="2">
+              <a:schemeClr val="accent1">
+                <a:shade val="50000"/>
+              </a:schemeClr>
+            </a:lnRef>
+            <a:fillRef idx="1">
+              <a:schemeClr val="accent1"/>
+            </a:fillRef>
+            <a:effectRef idx="0">
+              <a:schemeClr val="accent1"/>
+            </a:effectRef>
+            <a:fontRef idx="minor">
+              <a:schemeClr val="lt1"/>
+            </a:fontRef>
+          </p:style>
+          <p:txBody>
+            <a:bodyPr rtlCol="0" anchor="ctr"/>
+            <a:lstStyle/>
+            <a:p>
+              <a:pPr algn="ctr"/>
+              <a:endParaRPr lang="en-US"/>
+            </a:p>
+          </p:txBody>
+        </p:sp>
+        <p:sp>
+          <p:nvSpPr>
+            <p:cNvPr id="26" name="Cylinder 25">
+              <a:extLst>
+                <a:ext uri="{FF2B5EF4-FFF2-40B4-BE49-F238E27FC236}">
+                  <a16:creationId xmlns:a16="http://schemas.microsoft.com/office/drawing/2014/main" id="{C6A5617E-4D43-4DFD-AB5D-73F4B8C5528E}"/>
+                </a:ext>
+              </a:extLst>
+            </p:cNvPr>
+            <p:cNvSpPr/>
+            <p:nvPr/>
+          </p:nvSpPr>
+          <p:spPr>
+            <a:xfrm>
+              <a:off x="8108269" y="2618612"/>
+              <a:ext cx="257175" cy="128731"/>
+            </a:xfrm>
+            <a:prstGeom prst="can">
+              <a:avLst/>
+            </a:prstGeom>
+            <a:solidFill>
+              <a:srgbClr val="F61274"/>
+            </a:solidFill>
+            <a:ln>
+              <a:solidFill>
+                <a:srgbClr val="C10757"/>
+              </a:solidFill>
+            </a:ln>
+          </p:spPr>
+          <p:style>
+            <a:lnRef idx="2">
+              <a:schemeClr val="accent1">
+                <a:shade val="50000"/>
+              </a:schemeClr>
+            </a:lnRef>
+            <a:fillRef idx="1">
+              <a:schemeClr val="accent1"/>
+            </a:fillRef>
+            <a:effectRef idx="0">
+              <a:schemeClr val="accent1"/>
+            </a:effectRef>
+            <a:fontRef idx="minor">
+              <a:schemeClr val="lt1"/>
+            </a:fontRef>
+          </p:style>
+          <p:txBody>
+            <a:bodyPr rtlCol="0" anchor="ctr"/>
+            <a:lstStyle/>
+            <a:p>
+              <a:pPr algn="ctr"/>
+              <a:endParaRPr lang="en-US"/>
+            </a:p>
+          </p:txBody>
+        </p:sp>
+        <p:sp>
+          <p:nvSpPr>
+            <p:cNvPr id="27" name="Cylinder 26">
+              <a:extLst>
+                <a:ext uri="{FF2B5EF4-FFF2-40B4-BE49-F238E27FC236}">
+                  <a16:creationId xmlns:a16="http://schemas.microsoft.com/office/drawing/2014/main" id="{3D5EBB03-D17C-4381-9D7C-4744273B16C1}"/>
+                </a:ext>
+              </a:extLst>
+            </p:cNvPr>
+            <p:cNvSpPr/>
+            <p:nvPr/>
+          </p:nvSpPr>
+          <p:spPr>
+            <a:xfrm>
+              <a:off x="8342842" y="2618612"/>
+              <a:ext cx="257175" cy="128731"/>
+            </a:xfrm>
+            <a:prstGeom prst="can">
+              <a:avLst/>
+            </a:prstGeom>
+            <a:solidFill>
+              <a:srgbClr val="F61274"/>
+            </a:solidFill>
+            <a:ln>
+              <a:solidFill>
+                <a:srgbClr val="C10757"/>
+              </a:solidFill>
+            </a:ln>
+          </p:spPr>
+          <p:style>
+            <a:lnRef idx="2">
+              <a:schemeClr val="accent1">
+                <a:shade val="50000"/>
+              </a:schemeClr>
+            </a:lnRef>
+            <a:fillRef idx="1">
+              <a:schemeClr val="accent1"/>
+            </a:fillRef>
+            <a:effectRef idx="0">
+              <a:schemeClr val="accent1"/>
+            </a:effectRef>
+            <a:fontRef idx="minor">
+              <a:schemeClr val="lt1"/>
+            </a:fontRef>
+          </p:style>
+          <p:txBody>
+            <a:bodyPr rtlCol="0" anchor="ctr"/>
+            <a:lstStyle/>
+            <a:p>
+              <a:pPr algn="ctr"/>
+              <a:endParaRPr lang="en-US"/>
+            </a:p>
+          </p:txBody>
+        </p:sp>
+        <p:sp>
+          <p:nvSpPr>
+            <p:cNvPr id="28" name="TextBox 27">
+              <a:extLst>
+                <a:ext uri="{FF2B5EF4-FFF2-40B4-BE49-F238E27FC236}">
+                  <a16:creationId xmlns:a16="http://schemas.microsoft.com/office/drawing/2014/main" id="{632430CB-1EFC-48B3-8C38-C4884D68CB05}"/>
+                </a:ext>
+              </a:extLst>
+            </p:cNvPr>
+            <p:cNvSpPr txBox="1"/>
+            <p:nvPr/>
+          </p:nvSpPr>
+          <p:spPr>
+            <a:xfrm>
+              <a:off x="6692595" y="2262555"/>
+              <a:ext cx="2267737" cy="369332"/>
+            </a:xfrm>
+            <a:prstGeom prst="rect">
+              <a:avLst/>
+            </a:prstGeom>
+            <a:noFill/>
+          </p:spPr>
+          <p:txBody>
+            <a:bodyPr wrap="none" rtlCol="0">
+              <a:spAutoFit/>
+            </a:bodyPr>
+            <a:lstStyle/>
+            <a:p>
+              <a:r>
+                <a:rPr lang="en-US" dirty="0">
+                  <a:solidFill>
+                    <a:schemeClr val="bg1"/>
+                  </a:solidFill>
+                </a:rPr>
+                <a:t>Apical (vol 0.075 cm</a:t>
+              </a:r>
+              <a:r>
+                <a:rPr lang="en-US" baseline="30000" dirty="0">
+                  <a:solidFill>
+                    <a:schemeClr val="bg1"/>
+                  </a:solidFill>
+                </a:rPr>
+                <a:t>3</a:t>
+              </a:r>
+              <a:r>
+                <a:rPr lang="en-US" dirty="0">
+                  <a:solidFill>
+                    <a:schemeClr val="bg1"/>
+                  </a:solidFill>
+                </a:rPr>
+                <a:t>) </a:t>
+              </a:r>
+            </a:p>
+          </p:txBody>
+        </p:sp>
+      </p:grpSp>
+      <mc:AlternateContent xmlns:mc="http://schemas.openxmlformats.org/markup-compatibility/2006">
+        <mc:Choice xmlns:a14="http://schemas.microsoft.com/office/drawing/2010/main" Requires="a14">
+          <p:sp>
+            <p:nvSpPr>
+              <p:cNvPr id="32" name="TextBox 31">
+                <a:extLst>
+                  <a:ext uri="{FF2B5EF4-FFF2-40B4-BE49-F238E27FC236}">
+                    <a16:creationId xmlns:a16="http://schemas.microsoft.com/office/drawing/2014/main" id="{7FDC980F-7302-4CAC-A1CF-97A8E9E760EB}"/>
+                  </a:ext>
+                </a:extLst>
+              </p:cNvPr>
+              <p:cNvSpPr txBox="1"/>
+              <p:nvPr/>
+            </p:nvSpPr>
+            <p:spPr>
+              <a:xfrm>
+                <a:off x="435309" y="1652125"/>
+                <a:ext cx="2995227" cy="675954"/>
+              </a:xfrm>
+              <a:prstGeom prst="rect">
+                <a:avLst/>
+              </a:prstGeom>
+              <a:noFill/>
+            </p:spPr>
+            <p:txBody>
+              <a:bodyPr wrap="square" lIns="0" tIns="0" rIns="0" bIns="0" rtlCol="0">
+                <a:spAutoFit/>
+              </a:bodyPr>
+              <a:lstStyle/>
+              <a:p>
+                <a14:m>
+                  <m:oMath xmlns:m="http://schemas.openxmlformats.org/officeDocument/2006/math">
+                    <m:f>
+                      <m:fPr>
+                        <m:ctrlPr>
+                          <a:rPr lang="en-US" i="1" smtClean="0">
+                            <a:latin typeface="Cambria Math" panose="02040503050406030204" pitchFamily="18" charset="0"/>
+                          </a:rPr>
+                        </m:ctrlPr>
+                      </m:fPr>
+                      <m:num>
+                        <m:r>
+                          <a:rPr lang="en-US" i="1">
+                            <a:latin typeface="Cambria Math" panose="02040503050406030204" pitchFamily="18" charset="0"/>
+                          </a:rPr>
+                          <m:t>𝑑𝑄</m:t>
+                        </m:r>
+                      </m:num>
+                      <m:den>
+                        <m:r>
+                          <a:rPr lang="en-US" i="1">
+                            <a:latin typeface="Cambria Math" panose="02040503050406030204" pitchFamily="18" charset="0"/>
+                          </a:rPr>
+                          <m:t>𝑑𝑡</m:t>
+                        </m:r>
+                      </m:den>
+                    </m:f>
+                    <m:r>
+                      <a:rPr lang="en-US" b="0" i="1" smtClean="0">
+                        <a:latin typeface="Cambria Math" panose="02040503050406030204" pitchFamily="18" charset="0"/>
+                      </a:rPr>
+                      <m:t>=</m:t>
+                    </m:r>
+                    <m:sSub>
+                      <m:sSubPr>
+                        <m:ctrlPr>
+                          <a:rPr lang="en-US" i="1">
+                            <a:latin typeface="Cambria Math" panose="02040503050406030204" pitchFamily="18" charset="0"/>
+                          </a:rPr>
+                        </m:ctrlPr>
+                      </m:sSubPr>
+                      <m:e>
+                        <m:r>
+                          <a:rPr lang="en-US" b="0" i="1" smtClean="0">
+                            <a:latin typeface="Cambria Math" panose="02040503050406030204" pitchFamily="18" charset="0"/>
+                          </a:rPr>
+                          <m:t>−</m:t>
+                        </m:r>
+                        <m:r>
+                          <a:rPr lang="en-US" i="1">
+                            <a:latin typeface="Cambria Math" panose="02040503050406030204" pitchFamily="18" charset="0"/>
+                          </a:rPr>
+                          <m:t>𝑃</m:t>
+                        </m:r>
+                      </m:e>
+                      <m:sub>
+                        <m:r>
+                          <a:rPr lang="en-US" i="1">
+                            <a:latin typeface="Cambria Math" panose="02040503050406030204" pitchFamily="18" charset="0"/>
+                          </a:rPr>
+                          <m:t>𝑎𝑝𝑝</m:t>
+                        </m:r>
+                      </m:sub>
+                    </m:sSub>
+                  </m:oMath>
+                </a14:m>
+                <a:r>
+                  <a:rPr lang="en-US" dirty="0"/>
+                  <a:t> </a:t>
+                </a:r>
+                <a14:m>
+                  <m:oMath xmlns:m="http://schemas.openxmlformats.org/officeDocument/2006/math">
+                    <m:sSub>
+                      <m:sSubPr>
+                        <m:ctrlPr>
+                          <a:rPr lang="en-US" i="1">
+                            <a:latin typeface="Cambria Math" panose="02040503050406030204" pitchFamily="18" charset="0"/>
+                          </a:rPr>
+                        </m:ctrlPr>
+                      </m:sSubPr>
+                      <m:e>
+                        <m:r>
+                          <a:rPr lang="en-US" i="1">
+                            <a:latin typeface="Cambria Math" panose="02040503050406030204" pitchFamily="18" charset="0"/>
+                          </a:rPr>
+                          <m:t>𝐶</m:t>
+                        </m:r>
+                      </m:e>
+                      <m:sub>
+                        <m:r>
+                          <a:rPr lang="en-US" b="0" i="1" smtClean="0">
+                            <a:latin typeface="Cambria Math" panose="02040503050406030204" pitchFamily="18" charset="0"/>
+                          </a:rPr>
+                          <m:t>𝑑𝑜𝑛𝑜𝑟</m:t>
+                        </m:r>
+                      </m:sub>
+                    </m:sSub>
+                    <m:r>
+                      <a:rPr lang="en-US" i="1">
+                        <a:latin typeface="Cambria Math" panose="02040503050406030204" pitchFamily="18" charset="0"/>
+                      </a:rPr>
+                      <m:t>𝐴</m:t>
+                    </m:r>
+                  </m:oMath>
+                </a14:m>
+                <a:endParaRPr lang="en-US" dirty="0"/>
+              </a:p>
+              <a:p>
+                <a:endParaRPr lang="en-US" dirty="0"/>
+              </a:p>
+            </p:txBody>
+          </p:sp>
+        </mc:Choice>
+        <mc:Fallback>
+          <p:sp>
+            <p:nvSpPr>
+              <p:cNvPr id="32" name="TextBox 31">
+                <a:extLst>
+                  <a:ext uri="{FF2B5EF4-FFF2-40B4-BE49-F238E27FC236}">
+                    <a16:creationId xmlns:a16="http://schemas.microsoft.com/office/drawing/2014/main" id="{7FDC980F-7302-4CAC-A1CF-97A8E9E760EB}"/>
+                  </a:ext>
+                </a:extLst>
+              </p:cNvPr>
+              <p:cNvSpPr txBox="1">
+                <a:spLocks noRot="1" noChangeAspect="1" noMove="1" noResize="1" noEditPoints="1" noAdjustHandles="1" noChangeArrowheads="1" noChangeShapeType="1" noTextEdit="1"/>
+              </p:cNvSpPr>
+              <p:nvPr/>
+            </p:nvSpPr>
+            <p:spPr>
+              <a:xfrm>
+                <a:off x="435309" y="1652125"/>
+                <a:ext cx="2995227" cy="675954"/>
+              </a:xfrm>
+              <a:prstGeom prst="rect">
+                <a:avLst/>
+              </a:prstGeom>
+              <a:blipFill>
+                <a:blip r:embed="rId6"/>
+                <a:stretch>
+                  <a:fillRect l="-2439" t="-901"/>
+                </a:stretch>
+              </a:blipFill>
+            </p:spPr>
+            <p:txBody>
+              <a:bodyPr/>
+              <a:lstStyle/>
+              <a:p>
+                <a:r>
+                  <a:rPr lang="en-US">
+                    <a:noFill/>
+                  </a:rPr>
+                  <a:t> </a:t>
+                </a:r>
+              </a:p>
+            </p:txBody>
+          </p:sp>
+        </mc:Fallback>
+      </mc:AlternateContent>
+      <p:cxnSp>
+        <p:nvCxnSpPr>
+          <p:cNvPr id="34" name="Straight Arrow Connector 33">
+            <a:extLst>
+              <a:ext uri="{FF2B5EF4-FFF2-40B4-BE49-F238E27FC236}">
+                <a16:creationId xmlns:a16="http://schemas.microsoft.com/office/drawing/2014/main" id="{4B261392-B8E7-4999-A9C0-485CBDE54AE1}"/>
+              </a:ext>
+            </a:extLst>
+          </p:cNvPr>
+          <p:cNvCxnSpPr>
+            <a:cxnSpLocks/>
+          </p:cNvCxnSpPr>
+          <p:nvPr/>
+        </p:nvCxnSpPr>
+        <p:spPr>
+          <a:xfrm flipH="1" flipV="1">
+            <a:off x="8534401" y="2561881"/>
+            <a:ext cx="1563118" cy="151945"/>
+          </a:xfrm>
+          <a:prstGeom prst="straightConnector1">
+            <a:avLst/>
+          </a:prstGeom>
+          <a:ln>
+            <a:solidFill>
+              <a:schemeClr val="tx1"/>
+            </a:solidFill>
+            <a:tailEnd type="triangle"/>
+          </a:ln>
+        </p:spPr>
+        <p:style>
+          <a:lnRef idx="1">
+            <a:schemeClr val="accent1"/>
+          </a:lnRef>
+          <a:fillRef idx="0">
+            <a:schemeClr val="accent1"/>
+          </a:fillRef>
+          <a:effectRef idx="0">
+            <a:schemeClr val="accent1"/>
+          </a:effectRef>
+          <a:fontRef idx="minor">
+            <a:schemeClr val="tx1"/>
+          </a:fontRef>
+        </p:style>
+      </p:cxnSp>
+      <p:sp>
+        <p:nvSpPr>
+          <p:cNvPr id="35" name="TextBox 34">
+            <a:extLst>
+              <a:ext uri="{FF2B5EF4-FFF2-40B4-BE49-F238E27FC236}">
+                <a16:creationId xmlns:a16="http://schemas.microsoft.com/office/drawing/2014/main" id="{DBC89C84-A891-4C78-A066-4E7341D65409}"/>
+              </a:ext>
+            </a:extLst>
+          </p:cNvPr>
+          <p:cNvSpPr txBox="1"/>
+          <p:nvPr/>
+        </p:nvSpPr>
+        <p:spPr>
+          <a:xfrm>
+            <a:off x="10102453" y="2513577"/>
+            <a:ext cx="1680346" cy="1200329"/>
+          </a:xfrm>
+          <a:prstGeom prst="rect">
+            <a:avLst/>
+          </a:prstGeom>
+          <a:noFill/>
+        </p:spPr>
+        <p:txBody>
+          <a:bodyPr wrap="square" rtlCol="0">
+            <a:spAutoFit/>
+          </a:bodyPr>
+          <a:lstStyle/>
+          <a:p>
+            <a:r>
+              <a:rPr lang="en-US" dirty="0"/>
+              <a:t>For A-&gt;B permeability dosing solution is added here</a:t>
+            </a:r>
+          </a:p>
+        </p:txBody>
+      </p:sp>
+      <p:cxnSp>
+        <p:nvCxnSpPr>
+          <p:cNvPr id="36" name="Straight Arrow Connector 35">
+            <a:extLst>
+              <a:ext uri="{FF2B5EF4-FFF2-40B4-BE49-F238E27FC236}">
+                <a16:creationId xmlns:a16="http://schemas.microsoft.com/office/drawing/2014/main" id="{96C90FFC-351B-4D60-9A51-959D6FEDEACA}"/>
+              </a:ext>
+            </a:extLst>
+          </p:cNvPr>
+          <p:cNvCxnSpPr>
+            <a:cxnSpLocks/>
+          </p:cNvCxnSpPr>
+          <p:nvPr/>
+        </p:nvCxnSpPr>
+        <p:spPr>
+          <a:xfrm flipH="1" flipV="1">
+            <a:off x="7263157" y="3326724"/>
+            <a:ext cx="394943" cy="673549"/>
+          </a:xfrm>
+          <a:prstGeom prst="straightConnector1">
+            <a:avLst/>
+          </a:prstGeom>
+          <a:ln>
+            <a:solidFill>
+              <a:schemeClr val="tx1"/>
+            </a:solidFill>
+            <a:tailEnd type="triangle"/>
+          </a:ln>
+        </p:spPr>
+        <p:style>
+          <a:lnRef idx="1">
+            <a:schemeClr val="accent1"/>
+          </a:lnRef>
+          <a:fillRef idx="0">
+            <a:schemeClr val="accent1"/>
+          </a:fillRef>
+          <a:effectRef idx="0">
+            <a:schemeClr val="accent1"/>
+          </a:effectRef>
+          <a:fontRef idx="minor">
+            <a:schemeClr val="tx1"/>
+          </a:fontRef>
+        </p:style>
+      </p:cxnSp>
+      <p:sp>
+        <p:nvSpPr>
+          <p:cNvPr id="38" name="TextBox 37">
+            <a:extLst>
+              <a:ext uri="{FF2B5EF4-FFF2-40B4-BE49-F238E27FC236}">
+                <a16:creationId xmlns:a16="http://schemas.microsoft.com/office/drawing/2014/main" id="{E2B6B524-0608-44EA-89CF-0F4378217CC2}"/>
+              </a:ext>
+            </a:extLst>
+          </p:cNvPr>
+          <p:cNvSpPr txBox="1"/>
+          <p:nvPr/>
+        </p:nvSpPr>
+        <p:spPr>
+          <a:xfrm>
+            <a:off x="7113853" y="3871831"/>
+            <a:ext cx="1878848" cy="923330"/>
+          </a:xfrm>
+          <a:prstGeom prst="rect">
+            <a:avLst/>
+          </a:prstGeom>
+          <a:noFill/>
+        </p:spPr>
+        <p:txBody>
+          <a:bodyPr wrap="square" rtlCol="0">
+            <a:spAutoFit/>
+          </a:bodyPr>
+          <a:lstStyle/>
+          <a:p>
+            <a:r>
+              <a:rPr lang="en-US" dirty="0"/>
+              <a:t>Add dosing solution here for B-&gt;A permeability</a:t>
             </a:r>
           </a:p>
         </p:txBody>
       </p:sp>
       <p:sp>
         <p:nvSpPr>
-          <p:cNvPr id="6" name="Subtitle 2">
+          <p:cNvPr id="39" name="TextBox 38">
             <a:extLst>
               <a:ext uri="{FF2B5EF4-FFF2-40B4-BE49-F238E27FC236}">
-                <a16:creationId xmlns:a16="http://schemas.microsoft.com/office/drawing/2014/main" id="{EA16E427-5AA0-4DCB-BD8C-A10246FDCE94}"/>
+                <a16:creationId xmlns:a16="http://schemas.microsoft.com/office/drawing/2014/main" id="{D08E9ECC-41C3-4918-AF43-15FA17FD500C}"/>
               </a:ext>
             </a:extLst>
           </p:cNvPr>
-          <p:cNvSpPr txBox="1">
-            <a:spLocks/>
-          </p:cNvSpPr>
+          <p:cNvSpPr txBox="1"/>
           <p:nvPr/>
         </p:nvSpPr>
         <p:spPr>
           <a:xfrm>
-            <a:off x="5715000" y="5783398"/>
-            <a:ext cx="3810000" cy="870464"/>
+            <a:off x="2534731" y="1495575"/>
+            <a:ext cx="4579122" cy="923330"/>
           </a:xfrm>
           <a:prstGeom prst="rect">
             <a:avLst/>
           </a:prstGeom>
+          <a:noFill/>
+        </p:spPr>
+        <p:txBody>
+          <a:bodyPr wrap="square">
+            <a:spAutoFit/>
+          </a:bodyPr>
+          <a:lstStyle/>
+          <a:p>
+            <a:r>
+              <a:rPr lang="en-US" sz="1800" b="0" i="0" u="none" strike="noStrike" baseline="0" dirty="0">
+                <a:solidFill>
+                  <a:srgbClr val="000000"/>
+                </a:solidFill>
+              </a:rPr>
+              <a:t>Membrane permeability (coefficient P</a:t>
+            </a:r>
+            <a:r>
+              <a:rPr lang="en-US" sz="1800" b="0" i="0" u="none" strike="noStrike" baseline="-25000" dirty="0">
+                <a:solidFill>
+                  <a:srgbClr val="000000"/>
+                </a:solidFill>
+              </a:rPr>
+              <a:t>app</a:t>
+            </a:r>
+            <a:r>
+              <a:rPr lang="en-US" sz="1800" b="0" i="0" u="none" strike="noStrike" baseline="0" dirty="0">
+                <a:solidFill>
+                  <a:srgbClr val="000000"/>
+                </a:solidFill>
+              </a:rPr>
+              <a:t>, cm/s) for change in mass Q (µmol) as a function of concentration and membrane area </a:t>
+            </a:r>
+            <a:endParaRPr lang="en-US" dirty="0"/>
+          </a:p>
+        </p:txBody>
+      </p:sp>
+      <mc:AlternateContent xmlns:mc="http://schemas.openxmlformats.org/markup-compatibility/2006">
+        <mc:Choice xmlns:a14="http://schemas.microsoft.com/office/drawing/2010/main" Requires="a14">
+          <p:sp>
+            <p:nvSpPr>
+              <p:cNvPr id="40" name="TextBox 39">
+                <a:extLst>
+                  <a:ext uri="{FF2B5EF4-FFF2-40B4-BE49-F238E27FC236}">
+                    <a16:creationId xmlns:a16="http://schemas.microsoft.com/office/drawing/2014/main" id="{B2C806E3-D942-4567-B4BC-CADED52AC41B}"/>
+                  </a:ext>
+                </a:extLst>
+              </p:cNvPr>
+              <p:cNvSpPr txBox="1"/>
+              <p:nvPr/>
+            </p:nvSpPr>
+            <p:spPr>
+              <a:xfrm>
+                <a:off x="408746" y="5661779"/>
+                <a:ext cx="4226450" cy="979499"/>
+              </a:xfrm>
+              <a:prstGeom prst="rect">
+                <a:avLst/>
+              </a:prstGeom>
+              <a:noFill/>
+            </p:spPr>
+            <p:txBody>
+              <a:bodyPr wrap="square" lIns="0" tIns="0" rIns="0" bIns="0" rtlCol="0">
+                <a:spAutoFit/>
+              </a:bodyPr>
+              <a:lstStyle/>
+              <a:p>
+                <a14:m>
+                  <m:oMath xmlns:m="http://schemas.openxmlformats.org/officeDocument/2006/math">
+                    <m:f>
+                      <m:fPr>
+                        <m:ctrlPr>
+                          <a:rPr lang="en-US" sz="1200" i="1" smtClean="0"/>
+                        </m:ctrlPr>
+                      </m:fPr>
+                      <m:num>
+                        <m:r>
+                          <a:rPr lang="en-US" sz="1200" i="1"/>
+                          <m:t>𝑑𝑄</m:t>
+                        </m:r>
+                      </m:num>
+                      <m:den>
+                        <m:r>
+                          <a:rPr lang="en-US" sz="1200" i="1"/>
+                          <m:t>𝑑𝑡</m:t>
+                        </m:r>
+                      </m:den>
+                    </m:f>
+                    <m:r>
+                      <a:rPr lang="en-US" sz="1200" b="0" i="1" smtClean="0"/>
+                      <m:t>=</m:t>
+                    </m:r>
+                    <m:sSub>
+                      <m:sSubPr>
+                        <m:ctrlPr>
+                          <a:rPr lang="en-US" sz="1200" i="1"/>
+                        </m:ctrlPr>
+                      </m:sSubPr>
+                      <m:e>
+                        <m:r>
+                          <a:rPr lang="en-US" sz="1200" b="0" i="1" smtClean="0"/>
+                          <m:t>−</m:t>
+                        </m:r>
+                        <m:r>
+                          <a:rPr lang="en-US" sz="1200" i="1"/>
+                          <m:t>𝑃</m:t>
+                        </m:r>
+                      </m:e>
+                      <m:sub>
+                        <m:r>
+                          <a:rPr lang="en-US" sz="1200" i="1"/>
+                          <m:t>𝑎𝑝𝑝</m:t>
+                        </m:r>
+                      </m:sub>
+                    </m:sSub>
+                  </m:oMath>
+                </a14:m>
+                <a:r>
+                  <a:rPr lang="en-US" sz="1200" dirty="0"/>
+                  <a:t> </a:t>
+                </a:r>
+                <a14:m>
+                  <m:oMath xmlns:m="http://schemas.openxmlformats.org/officeDocument/2006/math">
+                    <m:f>
+                      <m:fPr>
+                        <m:ctrlPr>
+                          <a:rPr lang="en-US" sz="1200" i="1" smtClean="0"/>
+                        </m:ctrlPr>
+                      </m:fPr>
+                      <m:num>
+                        <m:sSub>
+                          <m:sSubPr>
+                            <m:ctrlPr>
+                              <a:rPr lang="en-US" sz="1200" i="1" smtClean="0"/>
+                            </m:ctrlPr>
+                          </m:sSubPr>
+                          <m:e>
+                            <m:r>
+                              <a:rPr lang="en-US" sz="1200" b="0" i="1" smtClean="0"/>
+                              <m:t>𝑄</m:t>
+                            </m:r>
+                          </m:e>
+                          <m:sub>
+                            <m:r>
+                              <a:rPr lang="en-US" sz="1200" b="0" i="1" smtClean="0"/>
+                              <m:t>𝑑𝑜𝑛𝑜𝑟</m:t>
+                            </m:r>
+                          </m:sub>
+                        </m:sSub>
+                      </m:num>
+                      <m:den>
+                        <m:sSub>
+                          <m:sSubPr>
+                            <m:ctrlPr>
+                              <a:rPr lang="en-US" sz="1200" i="1" smtClean="0"/>
+                            </m:ctrlPr>
+                          </m:sSubPr>
+                          <m:e>
+                            <m:r>
+                              <a:rPr lang="en-US" sz="1200" b="0" i="1" smtClean="0"/>
+                              <m:t>𝑉</m:t>
+                            </m:r>
+                          </m:e>
+                          <m:sub>
+                            <m:r>
+                              <a:rPr lang="en-US" sz="1200" b="0" i="1" smtClean="0"/>
+                              <m:t>𝑑𝑜𝑛𝑜𝑟</m:t>
+                            </m:r>
+                          </m:sub>
+                        </m:sSub>
+                      </m:den>
+                    </m:f>
+                    <m:r>
+                      <a:rPr lang="en-US" sz="1200" i="1"/>
+                      <m:t>𝐴</m:t>
+                    </m:r>
+                    <m:r>
+                      <a:rPr lang="en-US" sz="1200" i="1" smtClean="0">
+                        <a:ea typeface="Cambria Math" panose="02040503050406030204" pitchFamily="18" charset="0"/>
+                      </a:rPr>
+                      <m:t>→</m:t>
+                    </m:r>
+                  </m:oMath>
+                </a14:m>
+                <a:r>
+                  <a:rPr lang="en-US" sz="1200" i="1" dirty="0"/>
+                  <a:t> </a:t>
+                </a:r>
+                <a14:m>
+                  <m:oMath xmlns:m="http://schemas.openxmlformats.org/officeDocument/2006/math">
+                    <m:sSub>
+                      <m:sSubPr>
+                        <m:ctrlPr>
+                          <a:rPr lang="en-US" sz="1200" i="1"/>
+                        </m:ctrlPr>
+                      </m:sSubPr>
+                      <m:e>
+                        <m:r>
+                          <a:rPr lang="en-US" sz="1200" i="1"/>
+                          <m:t>𝑄</m:t>
+                        </m:r>
+                      </m:e>
+                      <m:sub>
+                        <m:r>
+                          <a:rPr lang="en-US" sz="1200" i="1"/>
+                          <m:t>𝑑𝑜𝑛𝑜𝑟</m:t>
+                        </m:r>
+                      </m:sub>
+                    </m:sSub>
+                    <m:r>
+                      <a:rPr lang="en-US" sz="1200" b="0" i="1" smtClean="0"/>
+                      <m:t>=</m:t>
+                    </m:r>
+                    <m:sSup>
+                      <m:sSupPr>
+                        <m:ctrlPr>
+                          <a:rPr lang="en-US" sz="1200" b="0" i="1" smtClean="0"/>
+                        </m:ctrlPr>
+                      </m:sSupPr>
+                      <m:e>
+                        <m:sSub>
+                          <m:sSubPr>
+                            <m:ctrlPr>
+                              <a:rPr lang="en-US" sz="1200" i="1"/>
+                            </m:ctrlPr>
+                          </m:sSubPr>
+                          <m:e>
+                            <m:r>
+                              <a:rPr lang="en-US" sz="1200" b="0" i="1" smtClean="0"/>
+                              <m:t>𝑉</m:t>
+                            </m:r>
+                          </m:e>
+                          <m:sub>
+                            <m:r>
+                              <a:rPr lang="en-US" sz="1200" b="0" i="1" smtClean="0"/>
+                              <m:t>𝑑𝑜𝑛𝑜𝑟</m:t>
+                            </m:r>
+                          </m:sub>
+                        </m:sSub>
+                        <m:sSub>
+                          <m:sSubPr>
+                            <m:ctrlPr>
+                              <a:rPr lang="en-US" sz="1200" i="1"/>
+                            </m:ctrlPr>
+                          </m:sSubPr>
+                          <m:e>
+                            <m:r>
+                              <a:rPr lang="en-US" sz="1200" b="0" i="1" smtClean="0"/>
+                              <m:t>𝐶</m:t>
+                            </m:r>
+                          </m:e>
+                          <m:sub>
+                            <m:r>
+                              <a:rPr lang="en-US" sz="1200" i="1"/>
+                              <m:t>0</m:t>
+                            </m:r>
+                          </m:sub>
+                        </m:sSub>
+                        <m:r>
+                          <a:rPr lang="en-US" sz="1200" b="0" i="1" smtClean="0"/>
+                          <m:t>𝑒</m:t>
+                        </m:r>
+                      </m:e>
+                      <m:sup>
+                        <m:sSub>
+                          <m:sSubPr>
+                            <m:ctrlPr>
+                              <a:rPr lang="en-US" sz="1200" i="1"/>
+                            </m:ctrlPr>
+                          </m:sSubPr>
+                          <m:e>
+                            <m:r>
+                              <a:rPr lang="en-US" sz="1200" i="1"/>
+                              <m:t>−</m:t>
+                            </m:r>
+                            <m:r>
+                              <a:rPr lang="en-US" sz="1200" i="1"/>
+                              <m:t>𝑃</m:t>
+                            </m:r>
+                          </m:e>
+                          <m:sub>
+                            <m:r>
+                              <a:rPr lang="en-US" sz="1200" i="1"/>
+                              <m:t>𝑎𝑝𝑝</m:t>
+                            </m:r>
+                          </m:sub>
+                        </m:sSub>
+                        <m:r>
+                          <m:rPr>
+                            <m:nor/>
+                          </m:rPr>
+                          <a:rPr lang="en-US" sz="1200" dirty="0"/>
+                          <m:t> </m:t>
+                        </m:r>
+                        <m:f>
+                          <m:fPr>
+                            <m:ctrlPr>
+                              <a:rPr lang="en-US" sz="1200" i="1"/>
+                            </m:ctrlPr>
+                          </m:fPr>
+                          <m:num>
+                            <m:r>
+                              <a:rPr lang="en-US" sz="1200" b="0" i="1" smtClean="0"/>
+                              <m:t>𝐴</m:t>
+                            </m:r>
+                          </m:num>
+                          <m:den>
+                            <m:sSub>
+                              <m:sSubPr>
+                                <m:ctrlPr>
+                                  <a:rPr lang="en-US" sz="1200" i="1"/>
+                                </m:ctrlPr>
+                              </m:sSubPr>
+                              <m:e>
+                                <m:r>
+                                  <a:rPr lang="en-US" sz="1200" i="1"/>
+                                  <m:t>𝑉</m:t>
+                                </m:r>
+                              </m:e>
+                              <m:sub>
+                                <m:r>
+                                  <a:rPr lang="en-US" sz="1200" i="1"/>
+                                  <m:t>𝑑𝑜𝑛𝑜𝑟</m:t>
+                                </m:r>
+                              </m:sub>
+                            </m:sSub>
+                          </m:den>
+                        </m:f>
+                        <m:r>
+                          <a:rPr lang="en-US" sz="1200" b="0" i="1" smtClean="0"/>
+                          <m:t>∗</m:t>
+                        </m:r>
+                        <m:r>
+                          <a:rPr lang="en-US" sz="1200" b="0" i="1" smtClean="0"/>
+                          <m:t>𝑡</m:t>
+                        </m:r>
+                      </m:sup>
+                    </m:sSup>
+                  </m:oMath>
+                </a14:m>
+                <a:endParaRPr lang="en-US" sz="1200" dirty="0"/>
+              </a:p>
+              <a:p>
+                <a14:m>
+                  <m:oMathPara xmlns:m="http://schemas.openxmlformats.org/officeDocument/2006/math">
+                    <m:oMathParaPr>
+                      <m:jc m:val="centerGroup"/>
+                    </m:oMathParaPr>
+                    <m:oMath xmlns:m="http://schemas.openxmlformats.org/officeDocument/2006/math">
+                      <m:sSub>
+                        <m:sSubPr>
+                          <m:ctrlPr>
+                            <a:rPr lang="en-US" sz="1200" i="1" smtClean="0"/>
+                          </m:ctrlPr>
+                        </m:sSubPr>
+                        <m:e>
+                          <m:r>
+                            <a:rPr lang="en-US" sz="1200" i="1"/>
+                            <m:t>𝑄</m:t>
+                          </m:r>
+                        </m:e>
+                        <m:sub>
+                          <m:r>
+                            <a:rPr lang="en-US" sz="1200" b="0" i="1" smtClean="0"/>
+                            <m:t>𝑟𝑒𝑐𝑒𝑖𝑣𝑒</m:t>
+                          </m:r>
+                          <m:r>
+                            <a:rPr lang="en-US" sz="1200" i="1"/>
+                            <m:t>𝑟</m:t>
+                          </m:r>
+                        </m:sub>
+                      </m:sSub>
+                      <m:r>
+                        <a:rPr lang="en-US" sz="1200" b="0" i="1" smtClean="0"/>
+                        <m:t>=</m:t>
+                      </m:r>
+                      <m:sSub>
+                        <m:sSubPr>
+                          <m:ctrlPr>
+                            <a:rPr lang="en-US" sz="1200" i="1"/>
+                          </m:ctrlPr>
+                        </m:sSubPr>
+                        <m:e>
+                          <m:r>
+                            <a:rPr lang="en-US" sz="1200" i="1"/>
+                            <m:t>𝑉</m:t>
+                          </m:r>
+                        </m:e>
+                        <m:sub>
+                          <m:r>
+                            <a:rPr lang="en-US" sz="1200" i="1"/>
+                            <m:t>𝑑𝑜𝑛𝑜𝑟</m:t>
+                          </m:r>
+                        </m:sub>
+                      </m:sSub>
+                      <m:sSub>
+                        <m:sSubPr>
+                          <m:ctrlPr>
+                            <a:rPr lang="en-US" sz="1200" i="1"/>
+                          </m:ctrlPr>
+                        </m:sSubPr>
+                        <m:e>
+                          <m:r>
+                            <a:rPr lang="en-US" sz="1200" i="1"/>
+                            <m:t>𝐶</m:t>
+                          </m:r>
+                        </m:e>
+                        <m:sub>
+                          <m:r>
+                            <a:rPr lang="en-US" sz="1200" i="1"/>
+                            <m:t>0</m:t>
+                          </m:r>
+                        </m:sub>
+                      </m:sSub>
+                      <m:d>
+                        <m:dPr>
+                          <m:ctrlPr>
+                            <a:rPr lang="en-US" sz="1200" i="1"/>
+                          </m:ctrlPr>
+                        </m:dPr>
+                        <m:e>
+                          <m:r>
+                            <a:rPr lang="en-US" sz="1200" i="1"/>
+                            <m:t>1−</m:t>
+                          </m:r>
+                          <m:sSup>
+                            <m:sSupPr>
+                              <m:ctrlPr>
+                                <a:rPr lang="en-US" sz="1200" i="1"/>
+                              </m:ctrlPr>
+                            </m:sSupPr>
+                            <m:e>
+                              <m:r>
+                                <a:rPr lang="en-US" sz="1200" i="1"/>
+                                <m:t>𝑒</m:t>
+                              </m:r>
+                            </m:e>
+                            <m:sup>
+                              <m:sSub>
+                                <m:sSubPr>
+                                  <m:ctrlPr>
+                                    <a:rPr lang="en-US" sz="1200" i="1"/>
+                                  </m:ctrlPr>
+                                </m:sSubPr>
+                                <m:e>
+                                  <m:r>
+                                    <a:rPr lang="en-US" sz="1200" i="1"/>
+                                    <m:t>−</m:t>
+                                  </m:r>
+                                  <m:r>
+                                    <a:rPr lang="en-US" sz="1200" i="1"/>
+                                    <m:t>𝑃</m:t>
+                                  </m:r>
+                                </m:e>
+                                <m:sub>
+                                  <m:r>
+                                    <a:rPr lang="en-US" sz="1200" i="1"/>
+                                    <m:t>𝑎𝑝𝑝</m:t>
+                                  </m:r>
+                                </m:sub>
+                              </m:sSub>
+                              <m:r>
+                                <m:rPr>
+                                  <m:nor/>
+                                </m:rPr>
+                                <a:rPr lang="en-US" sz="1200" dirty="0"/>
+                                <m:t> </m:t>
+                              </m:r>
+                              <m:f>
+                                <m:fPr>
+                                  <m:ctrlPr>
+                                    <a:rPr lang="en-US" sz="1200" i="1"/>
+                                  </m:ctrlPr>
+                                </m:fPr>
+                                <m:num>
+                                  <m:r>
+                                    <a:rPr lang="en-US" sz="1200" i="1"/>
+                                    <m:t>𝐴</m:t>
+                                  </m:r>
+                                </m:num>
+                                <m:den>
+                                  <m:sSub>
+                                    <m:sSubPr>
+                                      <m:ctrlPr>
+                                        <a:rPr lang="en-US" sz="1200" i="1"/>
+                                      </m:ctrlPr>
+                                    </m:sSubPr>
+                                    <m:e>
+                                      <m:r>
+                                        <a:rPr lang="en-US" sz="1200" i="1"/>
+                                        <m:t>𝑉</m:t>
+                                      </m:r>
+                                    </m:e>
+                                    <m:sub>
+                                      <m:r>
+                                        <a:rPr lang="en-US" sz="1200" i="1"/>
+                                        <m:t>𝑑𝑜𝑛𝑜𝑟</m:t>
+                                      </m:r>
+                                    </m:sub>
+                                  </m:sSub>
+                                </m:den>
+                              </m:f>
+                              <m:r>
+                                <a:rPr lang="en-US" sz="1200" i="1"/>
+                                <m:t>∗</m:t>
+                              </m:r>
+                              <m:r>
+                                <a:rPr lang="en-US" sz="1200" i="1"/>
+                                <m:t>𝑡</m:t>
+                              </m:r>
+                            </m:sup>
+                          </m:sSup>
+                        </m:e>
+                      </m:d>
+                    </m:oMath>
+                  </m:oMathPara>
+                </a14:m>
+                <a:endParaRPr lang="en-US" sz="1200" i="1" dirty="0"/>
+              </a:p>
+              <a:p>
+                <a14:m>
+                  <m:oMathPara xmlns:m="http://schemas.openxmlformats.org/officeDocument/2006/math">
+                    <m:oMathParaPr>
+                      <m:jc m:val="centerGroup"/>
+                    </m:oMathParaPr>
+                    <m:oMath xmlns:m="http://schemas.openxmlformats.org/officeDocument/2006/math">
+                      <m:sSub>
+                        <m:sSubPr>
+                          <m:ctrlPr>
+                            <a:rPr lang="en-US" sz="1200" i="1" smtClean="0"/>
+                          </m:ctrlPr>
+                        </m:sSubPr>
+                        <m:e>
+                          <m:r>
+                            <a:rPr lang="en-US" sz="1200" i="1"/>
+                            <m:t>−</m:t>
+                          </m:r>
+                          <m:r>
+                            <a:rPr lang="en-US" sz="1200" i="1"/>
+                            <m:t>𝑃</m:t>
+                          </m:r>
+                        </m:e>
+                        <m:sub>
+                          <m:r>
+                            <a:rPr lang="en-US" sz="1200" i="1"/>
+                            <m:t>𝑎𝑝𝑝</m:t>
+                          </m:r>
+                        </m:sub>
+                      </m:sSub>
+                      <m:r>
+                        <a:rPr lang="en-US" sz="1200" b="0" i="1" smtClean="0"/>
+                        <m:t>=</m:t>
+                      </m:r>
+                      <m:f>
+                        <m:fPr>
+                          <m:ctrlPr>
+                            <a:rPr lang="en-US" sz="1200" b="0" i="1" smtClean="0"/>
+                          </m:ctrlPr>
+                        </m:fPr>
+                        <m:num>
+                          <m:sSub>
+                            <m:sSubPr>
+                              <m:ctrlPr>
+                                <a:rPr lang="en-US" sz="1200" i="1"/>
+                              </m:ctrlPr>
+                            </m:sSubPr>
+                            <m:e>
+                              <m:r>
+                                <a:rPr lang="en-US" sz="1200" i="1"/>
+                                <m:t>𝑉</m:t>
+                              </m:r>
+                            </m:e>
+                            <m:sub>
+                              <m:r>
+                                <a:rPr lang="en-US" sz="1200" i="1"/>
+                                <m:t>𝑑𝑜𝑛𝑜𝑟</m:t>
+                              </m:r>
+                            </m:sub>
+                          </m:sSub>
+                        </m:num>
+                        <m:den>
+                          <m:r>
+                            <a:rPr lang="en-US" sz="1200" b="0" i="1" smtClean="0"/>
+                            <m:t>𝐴</m:t>
+                          </m:r>
+                          <m:r>
+                            <a:rPr lang="en-US" sz="1200" b="0" i="1" smtClean="0"/>
+                            <m:t>∗</m:t>
+                          </m:r>
+                          <m:r>
+                            <a:rPr lang="en-US" sz="1200" b="0" i="1" smtClean="0"/>
+                            <m:t>𝑡</m:t>
+                          </m:r>
+                        </m:den>
+                      </m:f>
+                      <m:r>
+                        <a:rPr lang="en-US" sz="1200" b="0" i="1" smtClean="0"/>
+                        <m:t>∗</m:t>
+                      </m:r>
+                      <m:f>
+                        <m:fPr>
+                          <m:ctrlPr>
+                            <a:rPr lang="en-US" sz="1200" b="0" i="1" smtClean="0"/>
+                          </m:ctrlPr>
+                        </m:fPr>
+                        <m:num>
+                          <m:func>
+                            <m:funcPr>
+                              <m:ctrlPr>
+                                <a:rPr lang="en-US" sz="1200" i="1"/>
+                              </m:ctrlPr>
+                            </m:funcPr>
+                            <m:fName>
+                              <m:r>
+                                <m:rPr>
+                                  <m:sty m:val="p"/>
+                                </m:rPr>
+                                <a:rPr lang="en-US" sz="1200"/>
+                                <m:t>ln</m:t>
+                              </m:r>
+                            </m:fName>
+                            <m:e>
+                              <m:r>
+                                <a:rPr lang="en-US" sz="1200" i="1"/>
+                                <m:t>𝑄</m:t>
+                              </m:r>
+                            </m:e>
+                          </m:func>
+                        </m:num>
+                        <m:den>
+                          <m:func>
+                            <m:funcPr>
+                              <m:ctrlPr>
+                                <a:rPr lang="en-US" sz="1200" i="1"/>
+                              </m:ctrlPr>
+                            </m:funcPr>
+                            <m:fName>
+                              <m:r>
+                                <m:rPr>
+                                  <m:sty m:val="p"/>
+                                </m:rPr>
+                                <a:rPr lang="en-US" sz="1200"/>
+                                <m:t>ln</m:t>
+                              </m:r>
+                            </m:fName>
+                            <m:e>
+                              <m:sSub>
+                                <m:sSubPr>
+                                  <m:ctrlPr>
+                                    <a:rPr lang="en-US" sz="1200" i="1"/>
+                                  </m:ctrlPr>
+                                </m:sSubPr>
+                                <m:e>
+                                  <m:r>
+                                    <a:rPr lang="en-US" sz="1200" i="1"/>
+                                    <m:t>𝑉</m:t>
+                                  </m:r>
+                                </m:e>
+                                <m:sub>
+                                  <m:r>
+                                    <a:rPr lang="en-US" sz="1200" i="1"/>
+                                    <m:t>𝑑𝑜𝑛𝑜𝑟</m:t>
+                                  </m:r>
+                                </m:sub>
+                              </m:sSub>
+                              <m:sSub>
+                                <m:sSubPr>
+                                  <m:ctrlPr>
+                                    <a:rPr lang="en-US" sz="1200" i="1"/>
+                                  </m:ctrlPr>
+                                </m:sSubPr>
+                                <m:e>
+                                  <m:r>
+                                    <a:rPr lang="en-US" sz="1200" i="1"/>
+                                    <m:t>𝐶</m:t>
+                                  </m:r>
+                                </m:e>
+                                <m:sub>
+                                  <m:r>
+                                    <a:rPr lang="en-US" sz="1200" i="1"/>
+                                    <m:t>0</m:t>
+                                  </m:r>
+                                </m:sub>
+                              </m:sSub>
+                            </m:e>
+                          </m:func>
+                        </m:den>
+                      </m:f>
+                    </m:oMath>
+                  </m:oMathPara>
+                </a14:m>
+                <a:endParaRPr lang="en-US" sz="1200" dirty="0"/>
+              </a:p>
+            </p:txBody>
+          </p:sp>
+        </mc:Choice>
+        <mc:Fallback>
+          <p:sp>
+            <p:nvSpPr>
+              <p:cNvPr id="40" name="TextBox 39">
+                <a:extLst>
+                  <a:ext uri="{FF2B5EF4-FFF2-40B4-BE49-F238E27FC236}">
+                    <a16:creationId xmlns:a16="http://schemas.microsoft.com/office/drawing/2014/main" id="{B2C806E3-D942-4567-B4BC-CADED52AC41B}"/>
+                  </a:ext>
+                </a:extLst>
+              </p:cNvPr>
+              <p:cNvSpPr txBox="1">
+                <a:spLocks noRot="1" noChangeAspect="1" noMove="1" noResize="1" noEditPoints="1" noAdjustHandles="1" noChangeArrowheads="1" noChangeShapeType="1" noTextEdit="1"/>
+              </p:cNvSpPr>
+              <p:nvPr/>
+            </p:nvSpPr>
+            <p:spPr>
+              <a:xfrm>
+                <a:off x="408746" y="5661779"/>
+                <a:ext cx="4226450" cy="979499"/>
+              </a:xfrm>
+              <a:prstGeom prst="rect">
+                <a:avLst/>
+              </a:prstGeom>
+              <a:blipFill>
+                <a:blip r:embed="rId7"/>
+                <a:stretch>
+                  <a:fillRect l="-1154" t="-4375" b="-3750"/>
+                </a:stretch>
+              </a:blipFill>
+            </p:spPr>
+            <p:txBody>
+              <a:bodyPr/>
+              <a:lstStyle/>
+              <a:p>
+                <a:r>
+                  <a:rPr lang="en-US">
+                    <a:noFill/>
+                  </a:rPr>
+                  <a:t> </a:t>
+                </a:r>
+              </a:p>
+            </p:txBody>
+          </p:sp>
+        </mc:Fallback>
+      </mc:AlternateContent>
+      <p:sp>
+        <p:nvSpPr>
+          <p:cNvPr id="41" name="Rectangle 40">
+            <a:extLst>
+              <a:ext uri="{FF2B5EF4-FFF2-40B4-BE49-F238E27FC236}">
+                <a16:creationId xmlns:a16="http://schemas.microsoft.com/office/drawing/2014/main" id="{3C723E95-2FC3-4C36-9975-983685D7E44C}"/>
+              </a:ext>
+            </a:extLst>
+          </p:cNvPr>
+          <p:cNvSpPr/>
+          <p:nvPr/>
+        </p:nvSpPr>
+        <p:spPr>
+          <a:xfrm>
+            <a:off x="530678" y="3877857"/>
+            <a:ext cx="6404731" cy="849890"/>
+          </a:xfrm>
+          <a:prstGeom prst="rect">
+            <a:avLst/>
+          </a:prstGeom>
+          <a:noFill/>
           <a:ln>
-            <a:noFill/>
+            <a:solidFill>
+              <a:srgbClr val="F61274"/>
+            </a:solidFill>
           </a:ln>
         </p:spPr>
+        <p:style>
+          <a:lnRef idx="2">
+            <a:schemeClr val="accent1">
+              <a:shade val="50000"/>
+            </a:schemeClr>
+          </a:lnRef>
+          <a:fillRef idx="1">
+            <a:schemeClr val="accent1"/>
+          </a:fillRef>
+          <a:effectRef idx="0">
+            <a:schemeClr val="accent1"/>
+          </a:effectRef>
+          <a:fontRef idx="minor">
+            <a:schemeClr val="lt1"/>
+          </a:fontRef>
+        </p:style>
         <p:txBody>
-          <a:bodyPr>
-            <a:noAutofit/>
+          <a:bodyPr rtlCol="0" anchor="ctr"/>
+          <a:lstStyle/>
+          <a:p>
+            <a:pPr algn="ctr"/>
+            <a:endParaRPr lang="en-US"/>
+          </a:p>
+        </p:txBody>
+      </p:sp>
+      <p:sp>
+        <p:nvSpPr>
+          <p:cNvPr id="42" name="TextBox 41">
+            <a:extLst>
+              <a:ext uri="{FF2B5EF4-FFF2-40B4-BE49-F238E27FC236}">
+                <a16:creationId xmlns:a16="http://schemas.microsoft.com/office/drawing/2014/main" id="{7EEB4C0C-8F80-43CD-8BDE-2709BA6F7442}"/>
+              </a:ext>
+            </a:extLst>
+          </p:cNvPr>
+          <p:cNvSpPr txBox="1"/>
+          <p:nvPr/>
+        </p:nvSpPr>
+        <p:spPr>
+          <a:xfrm>
+            <a:off x="112712" y="5389827"/>
+            <a:ext cx="4522484" cy="276999"/>
+          </a:xfrm>
+          <a:prstGeom prst="rect">
+            <a:avLst/>
+          </a:prstGeom>
+          <a:noFill/>
+        </p:spPr>
+        <p:txBody>
+          <a:bodyPr wrap="square">
+            <a:spAutoFit/>
           </a:bodyPr>
           <a:lstStyle/>
           <a:p>
-            <a:pPr algn="ctr">
-              <a:spcBef>
-                <a:spcPct val="20000"/>
-              </a:spcBef>
-              <a:buClr>
-                <a:srgbClr val="003F69"/>
-              </a:buClr>
-              <a:buSzPct val="90000"/>
-            </a:pPr>
-            <a:endParaRPr lang="en-US" altLang="en-US" sz="1400" dirty="0">
-              <a:solidFill>
-                <a:schemeClr val="tx2">
-                  <a:lumMod val="75000"/>
-                </a:schemeClr>
-              </a:solidFill>
-              <a:latin typeface="Arial" panose="020B0604020202020204" pitchFamily="34" charset="0"/>
-            </a:endParaRPr>
+            <a:r>
+              <a:rPr lang="en-US" sz="1200" b="0" i="0" u="none" strike="noStrike" baseline="0" dirty="0">
+                <a:solidFill>
+                  <a:srgbClr val="000000"/>
+                </a:solidFill>
+              </a:rPr>
+              <a:t>Note that we could be more precise (use this for Bayesian calculation)</a:t>
+            </a:r>
+          </a:p>
+        </p:txBody>
+      </p:sp>
+      <p:sp>
+        <p:nvSpPr>
+          <p:cNvPr id="43" name="Rectangle 42">
+            <a:extLst>
+              <a:ext uri="{FF2B5EF4-FFF2-40B4-BE49-F238E27FC236}">
+                <a16:creationId xmlns:a16="http://schemas.microsoft.com/office/drawing/2014/main" id="{E3C24C91-EBFA-40D9-9EAD-A3411A052722}"/>
+              </a:ext>
+            </a:extLst>
+          </p:cNvPr>
+          <p:cNvSpPr/>
+          <p:nvPr/>
+        </p:nvSpPr>
+        <p:spPr>
+          <a:xfrm>
+            <a:off x="134436" y="5266703"/>
+            <a:ext cx="4594355" cy="1460667"/>
+          </a:xfrm>
+          <a:prstGeom prst="rect">
+            <a:avLst/>
+          </a:prstGeom>
+          <a:noFill/>
+          <a:ln>
+            <a:solidFill>
+              <a:schemeClr val="accent1">
+                <a:lumMod val="75000"/>
+              </a:schemeClr>
+            </a:solidFill>
+          </a:ln>
+        </p:spPr>
+        <p:style>
+          <a:lnRef idx="2">
+            <a:schemeClr val="accent1">
+              <a:shade val="50000"/>
+            </a:schemeClr>
+          </a:lnRef>
+          <a:fillRef idx="1">
+            <a:schemeClr val="accent1"/>
+          </a:fillRef>
+          <a:effectRef idx="0">
+            <a:schemeClr val="accent1"/>
+          </a:effectRef>
+          <a:fontRef idx="minor">
+            <a:schemeClr val="lt1"/>
+          </a:fontRef>
+        </p:style>
+        <p:txBody>
+          <a:bodyPr rtlCol="0" anchor="ctr"/>
+          <a:lstStyle/>
+          <a:p>
+            <a:pPr algn="ctr"/>
+            <a:endParaRPr lang="en-US"/>
+          </a:p>
+        </p:txBody>
+      </p:sp>
+      <mc:AlternateContent xmlns:mc="http://schemas.openxmlformats.org/markup-compatibility/2006">
+        <mc:Choice xmlns:a14="http://schemas.microsoft.com/office/drawing/2010/main" Requires="a14">
+          <p:sp>
+            <p:nvSpPr>
+              <p:cNvPr id="44" name="TextBox 43">
+                <a:extLst>
+                  <a:ext uri="{FF2B5EF4-FFF2-40B4-BE49-F238E27FC236}">
+                    <a16:creationId xmlns:a16="http://schemas.microsoft.com/office/drawing/2014/main" id="{DCC7CD69-FA25-439B-AB39-98D13152946F}"/>
+                  </a:ext>
+                </a:extLst>
+              </p:cNvPr>
+              <p:cNvSpPr txBox="1"/>
+              <p:nvPr/>
+            </p:nvSpPr>
+            <p:spPr>
+              <a:xfrm>
+                <a:off x="5263867" y="4000273"/>
+                <a:ext cx="1565557" cy="653192"/>
+              </a:xfrm>
+              <a:prstGeom prst="rect">
+                <a:avLst/>
+              </a:prstGeom>
+              <a:noFill/>
+            </p:spPr>
+            <p:txBody>
+              <a:bodyPr wrap="none" lIns="0" tIns="0" rIns="0" bIns="0" rtlCol="0">
+                <a:spAutoFit/>
+              </a:bodyPr>
+              <a:lstStyle/>
+              <a:p>
+                <a14:m>
+                  <m:oMathPara xmlns:m="http://schemas.openxmlformats.org/officeDocument/2006/math">
+                    <m:oMathParaPr>
+                      <m:jc m:val="centerGroup"/>
+                    </m:oMathParaPr>
+                    <m:oMath xmlns:m="http://schemas.openxmlformats.org/officeDocument/2006/math">
+                      <m:sSub>
+                        <m:sSubPr>
+                          <m:ctrlPr>
+                            <a:rPr lang="en-US" i="1" smtClean="0">
+                              <a:latin typeface="Cambria Math" panose="02040503050406030204" pitchFamily="18" charset="0"/>
+                            </a:rPr>
+                          </m:ctrlPr>
+                        </m:sSubPr>
+                        <m:e>
+                          <m:r>
+                            <a:rPr lang="en-US" b="0" i="1" smtClean="0">
+                              <a:latin typeface="Cambria Math" panose="02040503050406030204" pitchFamily="18" charset="0"/>
+                            </a:rPr>
+                            <m:t>𝑅</m:t>
+                          </m:r>
+                        </m:e>
+                        <m:sub>
+                          <m:r>
+                            <a:rPr lang="en-US" b="0" i="1" smtClean="0">
+                              <a:latin typeface="Cambria Math" panose="02040503050406030204" pitchFamily="18" charset="0"/>
+                            </a:rPr>
+                            <m:t>𝑒𝑓𝑓𝑙𝑢𝑥</m:t>
+                          </m:r>
+                        </m:sub>
+                      </m:sSub>
+                      <m:r>
+                        <a:rPr lang="en-US" b="0" i="1" smtClean="0">
+                          <a:latin typeface="Cambria Math" panose="02040503050406030204" pitchFamily="18" charset="0"/>
+                        </a:rPr>
+                        <m:t>=</m:t>
+                      </m:r>
+                      <m:f>
+                        <m:fPr>
+                          <m:ctrlPr>
+                            <a:rPr lang="en-US" b="0" i="1" smtClean="0">
+                              <a:latin typeface="Cambria Math" panose="02040503050406030204" pitchFamily="18" charset="0"/>
+                            </a:rPr>
+                          </m:ctrlPr>
+                        </m:fPr>
+                        <m:num>
+                          <m:sSubSup>
+                            <m:sSubSupPr>
+                              <m:ctrlPr>
+                                <a:rPr lang="en-US" b="0" i="1" smtClean="0">
+                                  <a:latin typeface="Cambria Math" panose="02040503050406030204" pitchFamily="18" charset="0"/>
+                                </a:rPr>
+                              </m:ctrlPr>
+                            </m:sSubSupPr>
+                            <m:e>
+                              <m:r>
+                                <a:rPr lang="en-US" b="0" i="1" smtClean="0">
+                                  <a:latin typeface="Cambria Math" panose="02040503050406030204" pitchFamily="18" charset="0"/>
+                                </a:rPr>
+                                <m:t>𝑃</m:t>
+                              </m:r>
+                            </m:e>
+                            <m:sub>
+                              <m:r>
+                                <a:rPr lang="en-US" b="0" i="1" smtClean="0">
+                                  <a:latin typeface="Cambria Math" panose="02040503050406030204" pitchFamily="18" charset="0"/>
+                                </a:rPr>
+                                <m:t>𝑎𝑝𝑝</m:t>
+                              </m:r>
+                            </m:sub>
+                            <m:sup>
+                              <m:r>
+                                <a:rPr lang="en-US" b="0" i="1" smtClean="0">
+                                  <a:latin typeface="Cambria Math" panose="02040503050406030204" pitchFamily="18" charset="0"/>
+                                </a:rPr>
+                                <m:t>𝐵</m:t>
+                              </m:r>
+                              <m:r>
+                                <a:rPr lang="en-US" b="0" i="1" smtClean="0">
+                                  <a:latin typeface="Cambria Math" panose="02040503050406030204" pitchFamily="18" charset="0"/>
+                                </a:rPr>
+                                <m:t>2</m:t>
+                              </m:r>
+                              <m:r>
+                                <a:rPr lang="en-US" b="0" i="1" smtClean="0">
+                                  <a:latin typeface="Cambria Math" panose="02040503050406030204" pitchFamily="18" charset="0"/>
+                                </a:rPr>
+                                <m:t>𝐴</m:t>
+                              </m:r>
+                            </m:sup>
+                          </m:sSubSup>
+                        </m:num>
+                        <m:den>
+                          <m:sSubSup>
+                            <m:sSubSupPr>
+                              <m:ctrlPr>
+                                <a:rPr lang="en-US" i="1">
+                                  <a:latin typeface="Cambria Math" panose="02040503050406030204" pitchFamily="18" charset="0"/>
+                                </a:rPr>
+                              </m:ctrlPr>
+                            </m:sSubSupPr>
+                            <m:e>
+                              <m:r>
+                                <a:rPr lang="en-US" i="1">
+                                  <a:latin typeface="Cambria Math" panose="02040503050406030204" pitchFamily="18" charset="0"/>
+                                </a:rPr>
+                                <m:t>𝑃</m:t>
+                              </m:r>
+                            </m:e>
+                            <m:sub>
+                              <m:r>
+                                <a:rPr lang="en-US" i="1">
+                                  <a:latin typeface="Cambria Math" panose="02040503050406030204" pitchFamily="18" charset="0"/>
+                                </a:rPr>
+                                <m:t>𝑎𝑝𝑝</m:t>
+                              </m:r>
+                            </m:sub>
+                            <m:sup>
+                              <m:r>
+                                <a:rPr lang="en-US" b="0" i="1" smtClean="0">
+                                  <a:latin typeface="Cambria Math" panose="02040503050406030204" pitchFamily="18" charset="0"/>
+                                </a:rPr>
+                                <m:t>𝐴</m:t>
+                              </m:r>
+                              <m:r>
+                                <a:rPr lang="en-US" b="0" i="1" smtClean="0">
+                                  <a:latin typeface="Cambria Math" panose="02040503050406030204" pitchFamily="18" charset="0"/>
+                                </a:rPr>
+                                <m:t>2</m:t>
+                              </m:r>
+                              <m:r>
+                                <a:rPr lang="en-US" b="0" i="1" smtClean="0">
+                                  <a:latin typeface="Cambria Math" panose="02040503050406030204" pitchFamily="18" charset="0"/>
+                                </a:rPr>
+                                <m:t>𝐵</m:t>
+                              </m:r>
+                            </m:sup>
+                          </m:sSubSup>
+                        </m:den>
+                      </m:f>
+                    </m:oMath>
+                  </m:oMathPara>
+                </a14:m>
+                <a:endParaRPr lang="en-US" dirty="0"/>
+              </a:p>
+            </p:txBody>
+          </p:sp>
+        </mc:Choice>
+        <mc:Fallback>
+          <p:sp>
+            <p:nvSpPr>
+              <p:cNvPr id="44" name="TextBox 43">
+                <a:extLst>
+                  <a:ext uri="{FF2B5EF4-FFF2-40B4-BE49-F238E27FC236}">
+                    <a16:creationId xmlns:a16="http://schemas.microsoft.com/office/drawing/2014/main" id="{DCC7CD69-FA25-439B-AB39-98D13152946F}"/>
+                  </a:ext>
+                </a:extLst>
+              </p:cNvPr>
+              <p:cNvSpPr txBox="1">
+                <a:spLocks noRot="1" noChangeAspect="1" noMove="1" noResize="1" noEditPoints="1" noAdjustHandles="1" noChangeArrowheads="1" noChangeShapeType="1" noTextEdit="1"/>
+              </p:cNvSpPr>
+              <p:nvPr/>
+            </p:nvSpPr>
+            <p:spPr>
+              <a:xfrm>
+                <a:off x="5263867" y="4000273"/>
+                <a:ext cx="1565557" cy="653192"/>
+              </a:xfrm>
+              <a:prstGeom prst="rect">
+                <a:avLst/>
+              </a:prstGeom>
+              <a:blipFill>
+                <a:blip r:embed="rId8"/>
+                <a:stretch>
+                  <a:fillRect b="-935"/>
+                </a:stretch>
+              </a:blipFill>
+            </p:spPr>
+            <p:txBody>
+              <a:bodyPr/>
+              <a:lstStyle/>
+              <a:p>
+                <a:r>
+                  <a:rPr lang="en-US">
+                    <a:noFill/>
+                  </a:rPr>
+                  <a:t> </a:t>
+                </a:r>
+              </a:p>
+            </p:txBody>
+          </p:sp>
+        </mc:Fallback>
+      </mc:AlternateContent>
+      <p:cxnSp>
+        <p:nvCxnSpPr>
+          <p:cNvPr id="46" name="Straight Arrow Connector 45">
+            <a:extLst>
+              <a:ext uri="{FF2B5EF4-FFF2-40B4-BE49-F238E27FC236}">
+                <a16:creationId xmlns:a16="http://schemas.microsoft.com/office/drawing/2014/main" id="{7E4B6EB4-93DF-410B-85F0-16B2CE62061F}"/>
+              </a:ext>
+            </a:extLst>
+          </p:cNvPr>
+          <p:cNvCxnSpPr>
+            <a:cxnSpLocks/>
+          </p:cNvCxnSpPr>
+          <p:nvPr/>
+        </p:nvCxnSpPr>
+        <p:spPr>
+          <a:xfrm flipH="1" flipV="1">
+            <a:off x="8563939" y="2670240"/>
+            <a:ext cx="754486" cy="531504"/>
+          </a:xfrm>
+          <a:prstGeom prst="straightConnector1">
+            <a:avLst/>
+          </a:prstGeom>
+          <a:ln>
+            <a:solidFill>
+              <a:schemeClr val="tx1"/>
+            </a:solidFill>
+            <a:tailEnd type="triangle"/>
+          </a:ln>
+        </p:spPr>
+        <p:style>
+          <a:lnRef idx="1">
+            <a:schemeClr val="accent1"/>
+          </a:lnRef>
+          <a:fillRef idx="0">
+            <a:schemeClr val="accent1"/>
+          </a:fillRef>
+          <a:effectRef idx="0">
+            <a:schemeClr val="accent1"/>
+          </a:effectRef>
+          <a:fontRef idx="minor">
+            <a:schemeClr val="tx1"/>
+          </a:fontRef>
+        </p:style>
+      </p:cxnSp>
+      <p:sp>
+        <p:nvSpPr>
+          <p:cNvPr id="48" name="TextBox 47">
+            <a:extLst>
+              <a:ext uri="{FF2B5EF4-FFF2-40B4-BE49-F238E27FC236}">
+                <a16:creationId xmlns:a16="http://schemas.microsoft.com/office/drawing/2014/main" id="{95D5DEE7-0698-4C11-A7A4-9152AB93EC31}"/>
+              </a:ext>
+            </a:extLst>
+          </p:cNvPr>
+          <p:cNvSpPr txBox="1"/>
+          <p:nvPr/>
+        </p:nvSpPr>
+        <p:spPr>
+          <a:xfrm>
+            <a:off x="8941182" y="3255982"/>
+            <a:ext cx="1221328" cy="646331"/>
+          </a:xfrm>
+          <a:prstGeom prst="rect">
+            <a:avLst/>
+          </a:prstGeom>
+          <a:noFill/>
+        </p:spPr>
+        <p:txBody>
+          <a:bodyPr wrap="square" rtlCol="0">
+            <a:spAutoFit/>
+          </a:bodyPr>
+          <a:lstStyle/>
+          <a:p>
+            <a:r>
+              <a:rPr lang="en-US" dirty="0"/>
+              <a:t>Caco-2 Monolayer</a:t>
+            </a:r>
           </a:p>
         </p:txBody>
       </p:sp>
     </p:spTree>
     <p:extLst>
       <p:ext uri="{BB962C8B-B14F-4D97-AF65-F5344CB8AC3E}">
-        <p14:creationId xmlns:p14="http://schemas.microsoft.com/office/powerpoint/2010/main" val="1376537269"/>
+        <p14:creationId xmlns:p14="http://schemas.microsoft.com/office/powerpoint/2010/main" val="512309937"/>
       </p:ext>
     </p:extLst>
   </p:cSld>
@@ -16346,15 +19266,27 @@
           <a:p>
             <a:r>
               <a:rPr lang="en-US" dirty="0"/>
-              <a:t>Calculation of Membrane </a:t>
+              <a:t>Calculation of </a:t>
             </a:r>
             <a:r>
               <a:rPr lang="en-US" dirty="0" err="1"/>
-              <a:t>Permability</a:t>
+              <a:t>R</a:t>
+            </a:r>
+            <a:r>
+              <a:rPr lang="en-US" baseline="-25000" dirty="0" err="1"/>
+              <a:t>blood:plasmat</a:t>
             </a:r>
             <a:r>
               <a:rPr lang="en-US" dirty="0"/>
-              <a:t> from Caco2 Data</a:t>
+              <a:t> From </a:t>
+            </a:r>
+            <a:r>
+              <a:rPr lang="en-US" i="1" dirty="0"/>
+              <a:t>In Vitro </a:t>
+            </a:r>
+            <a:r>
+              <a:rPr lang="en-US" dirty="0"/>
+              <a:t>Data</a:t>
             </a:r>
           </a:p>
         </p:txBody>
@@ -16541,36 +19473,12 @@
           <a:lstStyle/>
           <a:p>
             <a:r>
-              <a:rPr lang="en-US" dirty="0"/>
+              <a:rPr lang="en-US" dirty="0">
+                <a:solidFill>
+                  <a:srgbClr val="FF0000"/>
+                </a:solidFill>
+              </a:rPr>
               <a:t>Functions</a:t>
-            </a:r>
-          </a:p>
-          <a:p>
-            <a:pPr marL="285750" indent="-285750">
-              <a:buFont typeface="Arial" panose="020B0604020202020204" pitchFamily="34" charset="0"/>
-              <a:buChar char="•"/>
-            </a:pPr>
-            <a:r>
-              <a:rPr lang="en-US" b="1" dirty="0"/>
-              <a:t>format_caco2</a:t>
-            </a:r>
-            <a:r>
-              <a:rPr lang="en-US" dirty="0"/>
-              <a:t>-- creates level 1 file</a:t>
-            </a:r>
-          </a:p>
-          <a:p>
-            <a:pPr marL="285750" indent="-285750">
-              <a:buFont typeface="Arial" panose="020B0604020202020204" pitchFamily="34" charset="0"/>
-              <a:buChar char="•"/>
-            </a:pPr>
-            <a:r>
-              <a:rPr lang="en-US" b="1" dirty="0"/>
-              <a:t>calc_caco2_point </a:t>
-            </a:r>
-            <a:r>
-              <a:rPr lang="en-US" dirty="0"/>
-              <a:t>– calculates point estimate of fup from level 2 file</a:t>
             </a:r>
           </a:p>
           <a:p>
@@ -16584,7 +19492,7 @@
                   <a:srgbClr val="FF0000"/>
                 </a:solidFill>
               </a:rPr>
-              <a:t>calc_caco2</a:t>
+              <a:t>format_rb2p </a:t>
             </a:r>
             <a:r>
               <a:rPr lang="en-US" dirty="0">
@@ -16592,15 +19500,143 @@
                   <a:srgbClr val="FF0000"/>
                 </a:solidFill>
               </a:rPr>
-              <a:t>– calculates Bayesian estimate of fup from level 2 file</a:t>
-            </a:r>
+              <a:t>-- creates level 1 file</a:t>
+            </a:r>
+          </a:p>
+          <a:p>
+            <a:pPr marL="285750" indent="-285750">
+              <a:buFont typeface="Arial" panose="020B0604020202020204" pitchFamily="34" charset="0"/>
+              <a:buChar char="•"/>
+            </a:pPr>
+            <a:r>
+              <a:rPr lang="en-US" b="1" dirty="0">
+                <a:solidFill>
+                  <a:srgbClr val="FF0000"/>
+                </a:solidFill>
+              </a:rPr>
+              <a:t>calc_ b2p _point </a:t>
+            </a:r>
+            <a:r>
+              <a:rPr lang="en-US" dirty="0">
+                <a:solidFill>
+                  <a:srgbClr val="FF0000"/>
+                </a:solidFill>
+              </a:rPr>
+              <a:t>– calculates point estimate of </a:t>
+            </a:r>
+            <a:r>
+              <a:rPr lang="en-US" dirty="0" err="1">
+                <a:solidFill>
+                  <a:srgbClr val="FF0000"/>
+                </a:solidFill>
+              </a:rPr>
+              <a:t>Rb:p</a:t>
+            </a:r>
+            <a:r>
+              <a:rPr lang="en-US" dirty="0">
+                <a:solidFill>
+                  <a:srgbClr val="FF0000"/>
+                </a:solidFill>
+              </a:rPr>
+              <a:t> from level 2 file</a:t>
+            </a:r>
+          </a:p>
+          <a:p>
+            <a:pPr marL="285750" indent="-285750">
+              <a:buFont typeface="Arial" panose="020B0604020202020204" pitchFamily="34" charset="0"/>
+              <a:buChar char="•"/>
+            </a:pPr>
+            <a:r>
+              <a:rPr lang="en-US" b="1" dirty="0">
+                <a:solidFill>
+                  <a:srgbClr val="FF0000"/>
+                </a:solidFill>
+              </a:rPr>
+              <a:t>calc_rb2p</a:t>
+            </a:r>
+            <a:r>
+              <a:rPr lang="en-US" dirty="0">
+                <a:solidFill>
+                  <a:srgbClr val="FF0000"/>
+                </a:solidFill>
+              </a:rPr>
+              <a:t>– calculates Bayesian estimate of </a:t>
+            </a:r>
+            <a:r>
+              <a:rPr lang="en-US" dirty="0" err="1">
+                <a:solidFill>
+                  <a:srgbClr val="FF0000"/>
+                </a:solidFill>
+              </a:rPr>
+              <a:t>Rb:p</a:t>
+            </a:r>
+            <a:r>
+              <a:rPr lang="en-US" dirty="0">
+                <a:solidFill>
+                  <a:srgbClr val="FF0000"/>
+                </a:solidFill>
+              </a:rPr>
+              <a:t> from level 2 file</a:t>
+            </a:r>
+          </a:p>
+        </p:txBody>
+      </p:sp>
+      <p:sp>
+        <p:nvSpPr>
+          <p:cNvPr id="6" name="Subtitle 2">
+            <a:extLst>
+              <a:ext uri="{FF2B5EF4-FFF2-40B4-BE49-F238E27FC236}">
+                <a16:creationId xmlns:a16="http://schemas.microsoft.com/office/drawing/2014/main" id="{EA16E427-5AA0-4DCB-BD8C-A10246FDCE94}"/>
+              </a:ext>
+            </a:extLst>
+          </p:cNvPr>
+          <p:cNvSpPr txBox="1">
+            <a:spLocks/>
+          </p:cNvSpPr>
+          <p:nvPr/>
+        </p:nvSpPr>
+        <p:spPr>
+          <a:xfrm>
+            <a:off x="5715000" y="5783398"/>
+            <a:ext cx="3810000" cy="870464"/>
+          </a:xfrm>
+          <a:prstGeom prst="rect">
+            <a:avLst/>
+          </a:prstGeom>
+          <a:ln>
+            <a:noFill/>
+          </a:ln>
+        </p:spPr>
+        <p:txBody>
+          <a:bodyPr>
+            <a:noAutofit/>
+          </a:bodyPr>
+          <a:lstStyle/>
+          <a:p>
+            <a:pPr algn="ctr">
+              <a:spcBef>
+                <a:spcPct val="20000"/>
+              </a:spcBef>
+              <a:buClr>
+                <a:srgbClr val="003F69"/>
+              </a:buClr>
+              <a:buSzPct val="90000"/>
+            </a:pPr>
+            <a:endParaRPr lang="en-US" altLang="en-US" sz="1400" dirty="0">
+              <a:solidFill>
+                <a:schemeClr val="tx2">
+                  <a:lumMod val="75000"/>
+                </a:schemeClr>
+              </a:solidFill>
+              <a:latin typeface="Arial" panose="020B0604020202020204" pitchFamily="34" charset="0"/>
+            </a:endParaRPr>
           </a:p>
         </p:txBody>
       </p:sp>
     </p:spTree>
     <p:extLst>
       <p:ext uri="{BB962C8B-B14F-4D97-AF65-F5344CB8AC3E}">
-        <p14:creationId xmlns:p14="http://schemas.microsoft.com/office/powerpoint/2010/main" val="512309937"/>
+        <p14:creationId xmlns:p14="http://schemas.microsoft.com/office/powerpoint/2010/main" val="1376537269"/>
       </p:ext>
     </p:extLst>
   </p:cSld>
